--- a/docs/Edit.pptx
+++ b/docs/Edit.pptx
@@ -5588,8 +5588,8 @@
         </p:nvGrpSpPr>
         <p:grpSpPr>
           <a:xfrm>
-            <a:off x="228600" y="609600"/>
-            <a:ext cx="8686799" cy="5486400"/>
+            <a:off x="762000" y="914400"/>
+            <a:ext cx="7467600" cy="4876800"/>
             <a:chOff x="398286" y="343957"/>
             <a:chExt cx="8593314" cy="6056843"/>
           </a:xfrm>
@@ -5738,12 +5738,8 @@
               <a:lstStyle/>
               <a:p>
                 <a:r>
-                  <a:rPr lang="en-SG" dirty="0" err="1"/>
-                  <a:t>sd</a:t>
-                </a:r>
-                <a:r>
                   <a:rPr lang="en-SG" dirty="0"/>
-                  <a:t> update item values</a:t>
+                  <a:t>sd update item values</a:t>
                 </a:r>
               </a:p>
               <a:p>
@@ -5766,10 +5762,10 @@
           </p:nvGrpSpPr>
           <p:grpSpPr>
             <a:xfrm>
-              <a:off x="547026" y="2187956"/>
-              <a:ext cx="8049947" cy="3265943"/>
-              <a:chOff x="5749091" y="777100"/>
-              <a:chExt cx="3226030" cy="1895173"/>
+              <a:off x="547026" y="2187954"/>
+              <a:ext cx="8049947" cy="3265945"/>
+              <a:chOff x="5749091" y="777099"/>
+              <a:chExt cx="3226030" cy="1895174"/>
             </a:xfrm>
           </p:grpSpPr>
           <p:sp>
@@ -5961,8 +5957,8 @@
             </p:nvSpPr>
             <p:spPr>
               <a:xfrm flipV="1">
-                <a:off x="5757328" y="777100"/>
-                <a:ext cx="467040" cy="337002"/>
+                <a:off x="5757328" y="777099"/>
+                <a:ext cx="365902" cy="337002"/>
               </a:xfrm>
               <a:prstGeom prst="snip1Rect">
                 <a:avLst/>
@@ -6176,7 +6172,7 @@
               <a:p>
                 <a:pPr defTabSz="872733"/>
                 <a:r>
-                  <a:rPr lang="en-US" sz="2000" dirty="0">
+                  <a:rPr lang="en-US" dirty="0">
                     <a:solidFill>
                       <a:schemeClr val="tx2"/>
                     </a:solidFill>
@@ -6527,8 +6523,8 @@
           </p:nvSpPr>
           <p:spPr bwMode="auto">
             <a:xfrm>
-              <a:off x="5562600" y="1240475"/>
-              <a:ext cx="1676400" cy="600164"/>
+              <a:off x="5379279" y="1231023"/>
+              <a:ext cx="1938309" cy="745386"/>
             </a:xfrm>
             <a:prstGeom prst="rect">
               <a:avLst/>
@@ -7128,7 +7124,7 @@
             <a:p>
               <a:pPr defTabSz="872733"/>
               <a:r>
-                <a:rPr lang="en-US" dirty="0">
+                <a:rPr lang="en-US" sz="1500" dirty="0">
                   <a:solidFill>
                     <a:schemeClr val="tx2"/>
                   </a:solidFill>
@@ -7357,7 +7353,7 @@
             <a:p>
               <a:pPr defTabSz="872733"/>
               <a:r>
-                <a:rPr lang="en-US" dirty="0">
+                <a:rPr lang="en-US" sz="1600" dirty="0">
                   <a:solidFill>
                     <a:schemeClr val="tx2"/>
                   </a:solidFill>
@@ -7599,7 +7595,7 @@
             <a:p>
               <a:pPr defTabSz="872733"/>
               <a:r>
-                <a:rPr lang="en-US" dirty="0">
+                <a:rPr lang="en-US" sz="1500" dirty="0">
                   <a:solidFill>
                     <a:schemeClr val="tx2"/>
                   </a:solidFill>
@@ -7781,7 +7777,7 @@
             <a:p>
               <a:pPr defTabSz="872733"/>
               <a:r>
-                <a:rPr lang="en-US" dirty="0" err="1">
+                <a:rPr lang="en-US" sz="1600" dirty="0" err="1">
                   <a:solidFill>
                     <a:schemeClr val="tx2"/>
                   </a:solidFill>
@@ -7790,7 +7786,7 @@
                 <a:t>setPrice</a:t>
               </a:r>
               <a:r>
-                <a:rPr lang="en-US" dirty="0">
+                <a:rPr lang="en-US" sz="1600" dirty="0">
                   <a:solidFill>
                     <a:schemeClr val="tx2"/>
                   </a:solidFill>
@@ -8079,7 +8075,7 @@
             <a:p>
               <a:pPr defTabSz="872733"/>
               <a:r>
-                <a:rPr lang="en-US" dirty="0">
+                <a:rPr lang="en-US" sz="1500" dirty="0">
                   <a:solidFill>
                     <a:schemeClr val="tx2"/>
                   </a:solidFill>
@@ -8308,7 +8304,7 @@
             <a:p>
               <a:pPr defTabSz="872733"/>
               <a:r>
-                <a:rPr lang="en-US" dirty="0" err="1">
+                <a:rPr lang="en-US" sz="1500" dirty="0" err="1">
                   <a:solidFill>
                     <a:schemeClr val="tx2"/>
                   </a:solidFill>
@@ -8317,7 +8313,7 @@
                 <a:t>setQuantity</a:t>
               </a:r>
               <a:r>
-                <a:rPr lang="en-US" dirty="0">
+                <a:rPr lang="en-US" sz="1500" dirty="0">
                   <a:solidFill>
                     <a:schemeClr val="tx2"/>
                   </a:solidFill>

--- a/docs/Edit.pptx
+++ b/docs/Edit.pptx
@@ -209,7 +209,7 @@
           <a:p>
             <a:fld id="{9629A0FB-7277-41B0-BEC2-EE35F8B0CE39}" type="datetimeFigureOut">
               <a:rPr lang="en-SG" smtClean="0"/>
-              <a:t>23/3/2020</a:t>
+              <a:t>2/4/2020</a:t>
             </a:fld>
             <a:endParaRPr lang="en-SG"/>
           </a:p>
@@ -3835,10 +3835,10 @@
         </p:nvGrpSpPr>
         <p:grpSpPr>
           <a:xfrm>
-            <a:off x="228600" y="609601"/>
-            <a:ext cx="8610600" cy="5410200"/>
+            <a:off x="228600" y="172946"/>
+            <a:ext cx="8469191" cy="6423218"/>
             <a:chOff x="117858" y="197507"/>
-            <a:chExt cx="8554514" cy="6420490"/>
+            <a:chExt cx="8414026" cy="7622675"/>
           </a:xfrm>
         </p:grpSpPr>
         <p:sp>
@@ -3850,9 +3850,9 @@
             <p:nvPr/>
           </p:nvSpPr>
           <p:spPr bwMode="auto">
-            <a:xfrm>
-              <a:off x="728768" y="839832"/>
-              <a:ext cx="10115" cy="3904336"/>
+            <a:xfrm flipH="1">
+              <a:off x="717650" y="839833"/>
+              <a:ext cx="11119" cy="6567646"/>
             </a:xfrm>
             <a:prstGeom prst="line">
               <a:avLst/>
@@ -3975,7 +3975,7 @@
           <p:spPr>
             <a:xfrm>
               <a:off x="603890" y="1120110"/>
-              <a:ext cx="225619" cy="3348432"/>
+              <a:ext cx="229013" cy="6130890"/>
             </a:xfrm>
             <a:prstGeom prst="rect">
               <a:avLst/>
@@ -4032,7 +4032,7 @@
           </p:nvSpPr>
           <p:spPr bwMode="auto">
             <a:xfrm>
-              <a:off x="4822622" y="2211422"/>
+              <a:off x="4811485" y="2871882"/>
               <a:ext cx="1596653" cy="600164"/>
             </a:xfrm>
             <a:prstGeom prst="rect">
@@ -4103,9 +4103,9 @@
             <p:nvPr/>
           </p:nvSpPr>
           <p:spPr bwMode="auto">
-            <a:xfrm flipH="1">
-              <a:off x="3018095" y="1536671"/>
-              <a:ext cx="8589" cy="1590924"/>
+            <a:xfrm>
+              <a:off x="3026682" y="1536671"/>
+              <a:ext cx="2699" cy="3248802"/>
             </a:xfrm>
             <a:prstGeom prst="line">
               <a:avLst/>
@@ -4197,7 +4197,7 @@
           </p:nvSpPr>
           <p:spPr bwMode="auto">
             <a:xfrm>
-              <a:off x="6061453" y="3443284"/>
+              <a:off x="6126015" y="4946607"/>
               <a:ext cx="1584515" cy="323165"/>
             </a:xfrm>
             <a:prstGeom prst="rect">
@@ -4245,7 +4245,7 @@
           </p:nvSpPr>
           <p:spPr bwMode="auto">
             <a:xfrm flipV="1">
-              <a:off x="3194466" y="2531036"/>
+              <a:off x="3194466" y="3173731"/>
               <a:ext cx="1628156" cy="7946"/>
             </a:xfrm>
             <a:prstGeom prst="line">
@@ -4286,7 +4286,7 @@
           </p:nvSpPr>
           <p:spPr bwMode="auto">
             <a:xfrm>
-              <a:off x="808004" y="1719683"/>
+              <a:off x="808004" y="2632475"/>
               <a:ext cx="2500554" cy="323165"/>
             </a:xfrm>
             <a:prstGeom prst="rect">
@@ -4342,7 +4342,7 @@
           </p:nvSpPr>
           <p:spPr bwMode="auto">
             <a:xfrm>
-              <a:off x="965943" y="2367812"/>
+              <a:off x="965943" y="3622404"/>
               <a:ext cx="1710047" cy="553998"/>
             </a:xfrm>
             <a:prstGeom prst="rect">
@@ -4383,60 +4383,6 @@
         </p:sp>
         <p:sp>
           <p:nvSpPr>
-            <p:cNvPr id="33" name="Line 13"/>
-            <p:cNvSpPr>
-              <a:spLocks noChangeShapeType="1"/>
-            </p:cNvSpPr>
-            <p:nvPr/>
-          </p:nvSpPr>
-          <p:spPr bwMode="auto">
-            <a:xfrm flipH="1">
-              <a:off x="5593778" y="2795355"/>
-              <a:ext cx="11119" cy="2835500"/>
-            </a:xfrm>
-            <a:prstGeom prst="line">
-              <a:avLst/>
-            </a:prstGeom>
-            <a:ln>
-              <a:solidFill>
-                <a:schemeClr val="accent3">
-                  <a:lumMod val="75000"/>
-                </a:schemeClr>
-              </a:solidFill>
-              <a:prstDash val="sysDash"/>
-              <a:headEnd/>
-              <a:tailEnd/>
-            </a:ln>
-          </p:spPr>
-          <p:style>
-            <a:lnRef idx="2">
-              <a:schemeClr val="accent4"/>
-            </a:lnRef>
-            <a:fillRef idx="0">
-              <a:schemeClr val="accent4"/>
-            </a:fillRef>
-            <a:effectRef idx="1">
-              <a:schemeClr val="accent4"/>
-            </a:effectRef>
-            <a:fontRef idx="minor">
-              <a:schemeClr val="tx1"/>
-            </a:fontRef>
-          </p:style>
-          <p:txBody>
-            <a:bodyPr/>
-            <a:lstStyle/>
-            <a:p>
-              <a:pPr defTabSz="872733"/>
-              <a:endParaRPr lang="en-US" sz="1500">
-                <a:solidFill>
-                  <a:prstClr val="black"/>
-                </a:solidFill>
-              </a:endParaRPr>
-            </a:p>
-          </p:txBody>
-        </p:sp>
-        <p:sp>
-          <p:nvSpPr>
             <p:cNvPr id="34" name="Line 15"/>
             <p:cNvSpPr>
               <a:spLocks noChangeShapeType="1"/>
@@ -4445,7 +4391,7 @@
           </p:nvSpPr>
           <p:spPr bwMode="auto">
             <a:xfrm flipV="1">
-              <a:off x="863760" y="2095125"/>
+              <a:off x="863760" y="3007916"/>
               <a:ext cx="2040971" cy="1"/>
             </a:xfrm>
             <a:prstGeom prst="line">
@@ -4520,14 +4466,68 @@
         </p:sp>
         <p:sp>
           <p:nvSpPr>
+            <p:cNvPr id="33" name="Line 13"/>
+            <p:cNvSpPr>
+              <a:spLocks noChangeShapeType="1"/>
+            </p:cNvSpPr>
+            <p:nvPr/>
+          </p:nvSpPr>
+          <p:spPr bwMode="auto">
+            <a:xfrm flipH="1">
+              <a:off x="5583867" y="3990671"/>
+              <a:ext cx="12611" cy="3584793"/>
+            </a:xfrm>
+            <a:prstGeom prst="line">
+              <a:avLst/>
+            </a:prstGeom>
+            <a:ln>
+              <a:solidFill>
+                <a:schemeClr val="accent3">
+                  <a:lumMod val="75000"/>
+                </a:schemeClr>
+              </a:solidFill>
+              <a:prstDash val="sysDash"/>
+              <a:headEnd/>
+              <a:tailEnd/>
+            </a:ln>
+          </p:spPr>
+          <p:style>
+            <a:lnRef idx="2">
+              <a:schemeClr val="accent4"/>
+            </a:lnRef>
+            <a:fillRef idx="0">
+              <a:schemeClr val="accent4"/>
+            </a:fillRef>
+            <a:effectRef idx="1">
+              <a:schemeClr val="accent4"/>
+            </a:effectRef>
+            <a:fontRef idx="minor">
+              <a:schemeClr val="tx1"/>
+            </a:fontRef>
+          </p:style>
+          <p:txBody>
+            <a:bodyPr/>
+            <a:lstStyle/>
+            <a:p>
+              <a:pPr defTabSz="872733"/>
+              <a:endParaRPr lang="en-US" sz="1500">
+                <a:solidFill>
+                  <a:prstClr val="black"/>
+                </a:solidFill>
+              </a:endParaRPr>
+            </a:p>
+          </p:txBody>
+        </p:sp>
+        <p:sp>
+          <p:nvSpPr>
             <p:cNvPr id="40" name="Rectangle 39"/>
             <p:cNvSpPr/>
             <p:nvPr/>
           </p:nvSpPr>
           <p:spPr>
             <a:xfrm>
-              <a:off x="5474656" y="3465195"/>
-              <a:ext cx="321233" cy="1716405"/>
+              <a:off x="5460881" y="3493320"/>
+              <a:ext cx="321233" cy="531758"/>
             </a:xfrm>
             <a:prstGeom prst="rect">
               <a:avLst/>
@@ -4589,7 +4589,7 @@
           </p:nvSpPr>
           <p:spPr bwMode="auto">
             <a:xfrm>
-              <a:off x="6995972" y="2511504"/>
+              <a:off x="6855484" y="2511504"/>
               <a:ext cx="1676400" cy="600164"/>
             </a:xfrm>
             <a:prstGeom prst="rect">
@@ -4744,8 +4744,8 @@
           </p:nvSpPr>
           <p:spPr>
             <a:xfrm>
-              <a:off x="2888219" y="2097347"/>
-              <a:ext cx="286905" cy="893938"/>
+              <a:off x="2918894" y="3010139"/>
+              <a:ext cx="286905" cy="1268640"/>
             </a:xfrm>
             <a:prstGeom prst="rect">
               <a:avLst/>
@@ -4806,9 +4806,9 @@
             <p:nvPr/>
           </p:nvSpPr>
           <p:spPr bwMode="auto">
-            <a:xfrm flipV="1">
-              <a:off x="875317" y="3457250"/>
-              <a:ext cx="4588585" cy="7945"/>
+            <a:xfrm>
+              <a:off x="852246" y="5138794"/>
+              <a:ext cx="4579394" cy="7948"/>
             </a:xfrm>
             <a:prstGeom prst="line">
               <a:avLst/>
@@ -4830,7 +4830,7 @@
             <a:lstStyle/>
             <a:p>
               <a:pPr defTabSz="872733"/>
-              <a:endParaRPr lang="en-US" sz="1500">
+              <a:endParaRPr lang="en-US" sz="1500" dirty="0">
                 <a:solidFill>
                   <a:prstClr val="black"/>
                 </a:solidFill>
@@ -4854,8 +4854,8 @@
           </p:nvSpPr>
           <p:spPr bwMode="auto">
             <a:xfrm>
-              <a:off x="5801997" y="3766449"/>
-              <a:ext cx="1970403" cy="11401"/>
+              <a:off x="5817398" y="5327601"/>
+              <a:ext cx="1851768" cy="15527"/>
             </a:xfrm>
             <a:prstGeom prst="line">
               <a:avLst/>
@@ -4901,8 +4901,8 @@
           </p:nvSpPr>
           <p:spPr bwMode="auto">
             <a:xfrm>
-              <a:off x="3174259" y="2225671"/>
-              <a:ext cx="2129261" cy="329063"/>
+              <a:off x="3250755" y="2827088"/>
+              <a:ext cx="1412001" cy="383512"/>
             </a:xfrm>
             <a:prstGeom prst="rect">
               <a:avLst/>
@@ -4955,7 +4955,7 @@
           </p:nvSpPr>
           <p:spPr bwMode="auto">
             <a:xfrm flipH="1">
-              <a:off x="852246" y="2972051"/>
+              <a:off x="852246" y="4258886"/>
               <a:ext cx="2016629" cy="7945"/>
             </a:xfrm>
             <a:prstGeom prst="line">
@@ -4985,92 +4985,6 @@
             </a:p>
           </p:txBody>
         </p:sp>
-        <p:cxnSp>
-          <p:nvCxnSpPr>
-            <p:cNvPr id="49" name="Straight Connector 48">
-              <a:extLst>
-                <a:ext uri="{FF2B5EF4-FFF2-40B4-BE49-F238E27FC236}">
-                  <a16:creationId xmlns:a16="http://schemas.microsoft.com/office/drawing/2014/main" id="{054EC965-613F-450A-BDA7-4AEF688EE06E}"/>
-                </a:ext>
-              </a:extLst>
-            </p:cNvPr>
-            <p:cNvCxnSpPr/>
-            <p:nvPr/>
-          </p:nvCxnSpPr>
-          <p:spPr>
-            <a:xfrm rot="16200000" flipV="1">
-              <a:off x="2879243" y="3078093"/>
-              <a:ext cx="284430" cy="267655"/>
-            </a:xfrm>
-            <a:prstGeom prst="line">
-              <a:avLst/>
-            </a:prstGeom>
-            <a:ln w="19050">
-              <a:solidFill>
-                <a:schemeClr val="accent4">
-                  <a:lumMod val="75000"/>
-                </a:schemeClr>
-              </a:solidFill>
-            </a:ln>
-          </p:spPr>
-          <p:style>
-            <a:lnRef idx="1">
-              <a:schemeClr val="accent1"/>
-            </a:lnRef>
-            <a:fillRef idx="0">
-              <a:schemeClr val="accent1"/>
-            </a:fillRef>
-            <a:effectRef idx="0">
-              <a:schemeClr val="accent1"/>
-            </a:effectRef>
-            <a:fontRef idx="minor">
-              <a:schemeClr val="tx1"/>
-            </a:fontRef>
-          </p:style>
-        </p:cxnSp>
-        <p:cxnSp>
-          <p:nvCxnSpPr>
-            <p:cNvPr id="50" name="Straight Connector 49">
-              <a:extLst>
-                <a:ext uri="{FF2B5EF4-FFF2-40B4-BE49-F238E27FC236}">
-                  <a16:creationId xmlns:a16="http://schemas.microsoft.com/office/drawing/2014/main" id="{BCC52252-11B3-4A56-A114-AE5F1D9A8E9B}"/>
-                </a:ext>
-              </a:extLst>
-            </p:cNvPr>
-            <p:cNvCxnSpPr/>
-            <p:nvPr/>
-          </p:nvCxnSpPr>
-          <p:spPr>
-            <a:xfrm rot="5400000">
-              <a:off x="2872653" y="3082587"/>
-              <a:ext cx="288175" cy="266007"/>
-            </a:xfrm>
-            <a:prstGeom prst="line">
-              <a:avLst/>
-            </a:prstGeom>
-            <a:ln w="19050">
-              <a:solidFill>
-                <a:schemeClr val="accent4">
-                  <a:lumMod val="75000"/>
-                </a:schemeClr>
-              </a:solidFill>
-            </a:ln>
-          </p:spPr>
-          <p:style>
-            <a:lnRef idx="1">
-              <a:schemeClr val="accent1"/>
-            </a:lnRef>
-            <a:fillRef idx="0">
-              <a:schemeClr val="accent1"/>
-            </a:fillRef>
-            <a:effectRef idx="0">
-              <a:schemeClr val="accent1"/>
-            </a:effectRef>
-            <a:fontRef idx="minor">
-              <a:schemeClr val="tx1"/>
-            </a:fontRef>
-          </p:style>
-        </p:cxnSp>
         <p:sp>
           <p:nvSpPr>
             <p:cNvPr id="51" name="Text Box 25">
@@ -5087,7 +5001,7 @@
           </p:nvSpPr>
           <p:spPr bwMode="auto">
             <a:xfrm>
-              <a:off x="3799306" y="3091248"/>
+              <a:off x="3848873" y="4785024"/>
               <a:ext cx="886908" cy="323165"/>
             </a:xfrm>
             <a:prstGeom prst="rect">
@@ -5136,9 +5050,9 @@
             <p:nvPr/>
           </p:nvSpPr>
           <p:spPr bwMode="auto">
-            <a:xfrm>
-              <a:off x="7827642" y="3139118"/>
-              <a:ext cx="43793" cy="3478879"/>
+            <a:xfrm flipH="1">
+              <a:off x="7820170" y="3139120"/>
+              <a:ext cx="7470" cy="4681062"/>
             </a:xfrm>
             <a:prstGeom prst="line">
               <a:avLst/>
@@ -5195,8 +5109,8 @@
           </p:nvSpPr>
           <p:spPr>
             <a:xfrm>
-              <a:off x="7749639" y="3766447"/>
-              <a:ext cx="251361" cy="1864407"/>
+              <a:off x="7688224" y="5327602"/>
+              <a:ext cx="281273" cy="1388474"/>
             </a:xfrm>
             <a:prstGeom prst="rect">
               <a:avLst/>
@@ -5255,7 +5169,7 @@
           </p:nvCxnSpPr>
           <p:spPr>
             <a:xfrm rot="16200000" flipV="1">
-              <a:off x="5459408" y="5597682"/>
+              <a:off x="5443887" y="7487609"/>
               <a:ext cx="284430" cy="267655"/>
             </a:xfrm>
             <a:prstGeom prst="line">
@@ -5298,8 +5212,8 @@
           </p:nvCxnSpPr>
           <p:spPr>
             <a:xfrm rot="5400000">
-              <a:off x="5452818" y="5602176"/>
-              <a:ext cx="288175" cy="266007"/>
+              <a:off x="5437298" y="7492103"/>
+              <a:ext cx="288176" cy="266007"/>
             </a:xfrm>
             <a:prstGeom prst="line">
               <a:avLst/>
@@ -5343,8 +5257,8 @@
           </p:nvSpPr>
           <p:spPr bwMode="auto">
             <a:xfrm flipH="1" flipV="1">
-              <a:off x="5806643" y="4042808"/>
-              <a:ext cx="1936888" cy="11401"/>
+              <a:off x="5792157" y="5668257"/>
+              <a:ext cx="1918374" cy="19721"/>
             </a:xfrm>
             <a:prstGeom prst="line">
               <a:avLst/>
@@ -5375,12 +5289,287 @@
             </a:p>
           </p:txBody>
         </p:sp>
+      </p:grpSp>
+      <p:sp>
+        <p:nvSpPr>
+          <p:cNvPr id="61" name="Rectangle 60">
+            <a:extLst>
+              <a:ext uri="{FF2B5EF4-FFF2-40B4-BE49-F238E27FC236}">
+                <a16:creationId xmlns:a16="http://schemas.microsoft.com/office/drawing/2014/main" id="{88A51D3B-623E-4A04-8E2A-68F62F9AC7CD}"/>
+              </a:ext>
+            </a:extLst>
+          </p:cNvPr>
+          <p:cNvSpPr/>
+          <p:nvPr/>
+        </p:nvSpPr>
+        <p:spPr>
+          <a:xfrm>
+            <a:off x="5606100" y="4343400"/>
+            <a:ext cx="323339" cy="1905002"/>
+          </a:xfrm>
+          <a:prstGeom prst="rect">
+            <a:avLst/>
+          </a:prstGeom>
+          <a:solidFill>
+            <a:schemeClr val="accent3">
+              <a:lumMod val="20000"/>
+              <a:lumOff val="80000"/>
+            </a:schemeClr>
+          </a:solidFill>
+          <a:ln>
+            <a:solidFill>
+              <a:schemeClr val="accent3">
+                <a:lumMod val="75000"/>
+              </a:schemeClr>
+            </a:solidFill>
+          </a:ln>
+        </p:spPr>
+        <p:style>
+          <a:lnRef idx="2">
+            <a:schemeClr val="accent4"/>
+          </a:lnRef>
+          <a:fillRef idx="1">
+            <a:schemeClr val="lt1"/>
+          </a:fillRef>
+          <a:effectRef idx="0">
+            <a:schemeClr val="accent4"/>
+          </a:effectRef>
+          <a:fontRef idx="minor">
+            <a:schemeClr val="dk1"/>
+          </a:fontRef>
+        </p:style>
+        <p:txBody>
+          <a:bodyPr rtlCol="0" anchor="ctr"/>
+          <a:lstStyle/>
+          <a:p>
+            <a:pPr algn="ctr" defTabSz="872733"/>
+            <a:endParaRPr lang="en-US" sz="1500">
+              <a:solidFill>
+                <a:prstClr val="black"/>
+              </a:solidFill>
+            </a:endParaRPr>
+          </a:p>
+        </p:txBody>
+      </p:sp>
+      <p:cxnSp>
+        <p:nvCxnSpPr>
+          <p:cNvPr id="36" name="Straight Connector 35">
+            <a:extLst>
+              <a:ext uri="{FF2B5EF4-FFF2-40B4-BE49-F238E27FC236}">
+                <a16:creationId xmlns:a16="http://schemas.microsoft.com/office/drawing/2014/main" id="{AA1C11BE-E98D-442A-9508-8D184D263297}"/>
+              </a:ext>
+            </a:extLst>
+          </p:cNvPr>
+          <p:cNvCxnSpPr/>
+          <p:nvPr/>
+        </p:nvCxnSpPr>
+        <p:spPr>
+          <a:xfrm rot="16200000" flipV="1">
+            <a:off x="3022058" y="3922154"/>
+            <a:ext cx="239674" cy="269410"/>
+          </a:xfrm>
+          <a:prstGeom prst="line">
+            <a:avLst/>
+          </a:prstGeom>
+          <a:ln w="19050">
+            <a:solidFill>
+              <a:schemeClr val="accent4">
+                <a:lumMod val="75000"/>
+              </a:schemeClr>
+            </a:solidFill>
+          </a:ln>
+        </p:spPr>
+        <p:style>
+          <a:lnRef idx="1">
+            <a:schemeClr val="accent1"/>
+          </a:lnRef>
+          <a:fillRef idx="0">
+            <a:schemeClr val="accent1"/>
+          </a:fillRef>
+          <a:effectRef idx="0">
+            <a:schemeClr val="accent1"/>
+          </a:effectRef>
+          <a:fontRef idx="minor">
+            <a:schemeClr val="tx1"/>
+          </a:fontRef>
+        </p:style>
+      </p:cxnSp>
+      <p:cxnSp>
+        <p:nvCxnSpPr>
+          <p:cNvPr id="37" name="Straight Connector 36">
+            <a:extLst>
+              <a:ext uri="{FF2B5EF4-FFF2-40B4-BE49-F238E27FC236}">
+                <a16:creationId xmlns:a16="http://schemas.microsoft.com/office/drawing/2014/main" id="{657575BD-4316-4D6C-88D2-A62A17C5DC9D}"/>
+              </a:ext>
+            </a:extLst>
+          </p:cNvPr>
+          <p:cNvCxnSpPr/>
+          <p:nvPr/>
+        </p:nvCxnSpPr>
+        <p:spPr>
+          <a:xfrm rot="5400000">
+            <a:off x="3015732" y="3926075"/>
+            <a:ext cx="242830" cy="267751"/>
+          </a:xfrm>
+          <a:prstGeom prst="line">
+            <a:avLst/>
+          </a:prstGeom>
+          <a:ln w="19050">
+            <a:solidFill>
+              <a:schemeClr val="accent4">
+                <a:lumMod val="75000"/>
+              </a:schemeClr>
+            </a:solidFill>
+          </a:ln>
+        </p:spPr>
+        <p:style>
+          <a:lnRef idx="1">
+            <a:schemeClr val="accent1"/>
+          </a:lnRef>
+          <a:fillRef idx="0">
+            <a:schemeClr val="accent1"/>
+          </a:fillRef>
+          <a:effectRef idx="0">
+            <a:schemeClr val="accent1"/>
+          </a:effectRef>
+          <a:fontRef idx="minor">
+            <a:schemeClr val="tx1"/>
+          </a:fontRef>
+        </p:style>
+      </p:cxnSp>
+      <p:sp>
+        <p:nvSpPr>
+          <p:cNvPr id="39" name="Rectangle 38">
+            <a:extLst>
+              <a:ext uri="{FF2B5EF4-FFF2-40B4-BE49-F238E27FC236}">
+                <a16:creationId xmlns:a16="http://schemas.microsoft.com/office/drawing/2014/main" id="{ACBD50A8-85E4-4947-8642-FBCB98648421}"/>
+              </a:ext>
+            </a:extLst>
+          </p:cNvPr>
+          <p:cNvSpPr/>
+          <p:nvPr/>
+        </p:nvSpPr>
+        <p:spPr>
+          <a:xfrm>
+            <a:off x="2997502" y="1295400"/>
+            <a:ext cx="288786" cy="420124"/>
+          </a:xfrm>
+          <a:prstGeom prst="rect">
+            <a:avLst/>
+          </a:prstGeom>
+          <a:solidFill>
+            <a:schemeClr val="accent4">
+              <a:lumMod val="40000"/>
+              <a:lumOff val="60000"/>
+            </a:schemeClr>
+          </a:solidFill>
+          <a:ln>
+            <a:solidFill>
+              <a:schemeClr val="accent4">
+                <a:lumMod val="75000"/>
+              </a:schemeClr>
+            </a:solidFill>
+          </a:ln>
+        </p:spPr>
+        <p:style>
+          <a:lnRef idx="2">
+            <a:schemeClr val="accent4"/>
+          </a:lnRef>
+          <a:fillRef idx="1">
+            <a:schemeClr val="lt1"/>
+          </a:fillRef>
+          <a:effectRef idx="0">
+            <a:schemeClr val="accent4"/>
+          </a:effectRef>
+          <a:fontRef idx="minor">
+            <a:schemeClr val="dk1"/>
+          </a:fontRef>
+        </p:style>
+        <p:txBody>
+          <a:bodyPr rtlCol="0" anchor="ctr"/>
+          <a:lstStyle/>
+          <a:p>
+            <a:pPr algn="ctr" defTabSz="872733"/>
+            <a:endParaRPr lang="en-US" sz="1500">
+              <a:solidFill>
+                <a:prstClr val="black"/>
+              </a:solidFill>
+            </a:endParaRPr>
+          </a:p>
+        </p:txBody>
+      </p:sp>
+      <p:sp>
+        <p:nvSpPr>
+          <p:cNvPr id="41" name="Line 16">
+            <a:extLst>
+              <a:ext uri="{FF2B5EF4-FFF2-40B4-BE49-F238E27FC236}">
+                <a16:creationId xmlns:a16="http://schemas.microsoft.com/office/drawing/2014/main" id="{13582647-41A4-4521-BBF4-5ED504308A33}"/>
+              </a:ext>
+            </a:extLst>
+          </p:cNvPr>
+          <p:cNvSpPr>
+            <a:spLocks noChangeShapeType="1"/>
+          </p:cNvSpPr>
+          <p:nvPr/>
+        </p:nvSpPr>
+        <p:spPr bwMode="auto">
+          <a:xfrm flipH="1">
+            <a:off x="939239" y="1703833"/>
+            <a:ext cx="2051088" cy="2"/>
+          </a:xfrm>
+          <a:prstGeom prst="line">
+            <a:avLst/>
+          </a:prstGeom>
+          <a:noFill/>
+          <a:ln w="19050">
+            <a:solidFill>
+              <a:schemeClr val="accent4"/>
+            </a:solidFill>
+            <a:prstDash val="sysDash"/>
+            <a:round/>
+            <a:headEnd/>
+            <a:tailEnd type="triangle" w="lg" len="lg"/>
+          </a:ln>
+        </p:spPr>
+        <p:txBody>
+          <a:bodyPr/>
+          <a:lstStyle/>
+          <a:p>
+            <a:pPr defTabSz="872733"/>
+            <a:endParaRPr lang="en-US" sz="1500">
+              <a:solidFill>
+                <a:prstClr val="black"/>
+              </a:solidFill>
+            </a:endParaRPr>
+          </a:p>
+        </p:txBody>
+      </p:sp>
+      <p:grpSp>
+        <p:nvGrpSpPr>
+          <p:cNvPr id="4" name="Group 3">
+            <a:extLst>
+              <a:ext uri="{FF2B5EF4-FFF2-40B4-BE49-F238E27FC236}">
+                <a16:creationId xmlns:a16="http://schemas.microsoft.com/office/drawing/2014/main" id="{0C728DD1-DFDC-4E29-A683-00329337F665}"/>
+              </a:ext>
+            </a:extLst>
+          </p:cNvPr>
+          <p:cNvGrpSpPr/>
+          <p:nvPr/>
+        </p:nvGrpSpPr>
+        <p:grpSpPr>
+          <a:xfrm>
+            <a:off x="5292255" y="5424110"/>
+            <a:ext cx="3562689" cy="612290"/>
+            <a:chOff x="5325541" y="911710"/>
+            <a:chExt cx="3380529" cy="601724"/>
+          </a:xfrm>
+        </p:grpSpPr>
         <p:sp>
           <p:nvSpPr>
-            <p:cNvPr id="2" name="Rectangle 1">
+            <p:cNvPr id="56" name="Rectangle 55">
               <a:extLst>
                 <a:ext uri="{FF2B5EF4-FFF2-40B4-BE49-F238E27FC236}">
-                  <a16:creationId xmlns:a16="http://schemas.microsoft.com/office/drawing/2014/main" id="{1F25EFBC-FB4D-46DF-B4EA-F7E0A817AE44}"/>
+                  <a16:creationId xmlns:a16="http://schemas.microsoft.com/office/drawing/2014/main" id="{8D2C2257-3ECD-47F4-9E03-5FE3F2C9575E}"/>
                 </a:ext>
               </a:extLst>
             </p:cNvPr>
@@ -5389,8 +5578,8 @@
           </p:nvSpPr>
           <p:spPr>
             <a:xfrm>
-              <a:off x="5181600" y="4330145"/>
-              <a:ext cx="3358510" cy="677640"/>
+              <a:off x="5325541" y="942423"/>
+              <a:ext cx="3380529" cy="571011"/>
             </a:xfrm>
             <a:prstGeom prst="rect">
               <a:avLst/>
@@ -5422,10 +5611,10 @@
         </p:sp>
         <p:sp>
           <p:nvSpPr>
-            <p:cNvPr id="8" name="Rectangle: Top Corners One Rounded and One Snipped 7">
+            <p:cNvPr id="57" name="Rectangle: Top Corners One Rounded and One Snipped 56">
               <a:extLst>
                 <a:ext uri="{FF2B5EF4-FFF2-40B4-BE49-F238E27FC236}">
-                  <a16:creationId xmlns:a16="http://schemas.microsoft.com/office/drawing/2014/main" id="{F3B05C46-E695-464D-8021-60759768F5BC}"/>
+                  <a16:creationId xmlns:a16="http://schemas.microsoft.com/office/drawing/2014/main" id="{48978760-D24A-40B1-87D7-2CA21E6EC3F1}"/>
                 </a:ext>
               </a:extLst>
             </p:cNvPr>
@@ -5434,8 +5623,8 @@
           </p:nvSpPr>
           <p:spPr>
             <a:xfrm rot="10800000" flipH="1">
-              <a:off x="5181601" y="4330372"/>
-              <a:ext cx="879852" cy="338592"/>
+              <a:off x="5325542" y="942614"/>
+              <a:ext cx="885621" cy="285313"/>
             </a:xfrm>
             <a:prstGeom prst="snipRoundRect">
               <a:avLst/>
@@ -5472,10 +5661,10 @@
         </p:sp>
         <p:sp>
           <p:nvSpPr>
-            <p:cNvPr id="10" name="TextBox 9">
+            <p:cNvPr id="58" name="TextBox 57">
               <a:extLst>
                 <a:ext uri="{FF2B5EF4-FFF2-40B4-BE49-F238E27FC236}">
-                  <a16:creationId xmlns:a16="http://schemas.microsoft.com/office/drawing/2014/main" id="{6E4CE0C6-0A24-47B5-A92B-EE9386BB611C}"/>
+                  <a16:creationId xmlns:a16="http://schemas.microsoft.com/office/drawing/2014/main" id="{BD96F86C-54E5-40F7-B7AE-2E623965D4ED}"/>
                 </a:ext>
               </a:extLst>
             </p:cNvPr>
@@ -5484,8 +5673,8 @@
           </p:nvSpPr>
           <p:spPr>
             <a:xfrm>
-              <a:off x="5359819" y="4293697"/>
-              <a:ext cx="522258" cy="646331"/>
+              <a:off x="5504929" y="911710"/>
+              <a:ext cx="525682" cy="544628"/>
             </a:xfrm>
             <a:prstGeom prst="rect">
               <a:avLst/>
@@ -5510,10 +5699,10 @@
         </p:sp>
         <p:sp>
           <p:nvSpPr>
-            <p:cNvPr id="11" name="TextBox 10">
+            <p:cNvPr id="59" name="TextBox 58">
               <a:extLst>
                 <a:ext uri="{FF2B5EF4-FFF2-40B4-BE49-F238E27FC236}">
-                  <a16:creationId xmlns:a16="http://schemas.microsoft.com/office/drawing/2014/main" id="{5B3AD932-7109-4FDC-ACCC-EE3AAA127E97}"/>
+                  <a16:creationId xmlns:a16="http://schemas.microsoft.com/office/drawing/2014/main" id="{440536AE-575F-4115-8F41-555F680D0D45}"/>
                 </a:ext>
               </a:extLst>
             </p:cNvPr>
@@ -5522,8 +5711,8 @@
           </p:nvSpPr>
           <p:spPr>
             <a:xfrm>
-              <a:off x="6050831" y="4468542"/>
-              <a:ext cx="1972720" cy="369332"/>
+              <a:off x="6200471" y="1059043"/>
+              <a:ext cx="1985654" cy="311216"/>
             </a:xfrm>
             <a:prstGeom prst="rect">
               <a:avLst/>
@@ -5544,6 +5733,54 @@
           </p:txBody>
         </p:sp>
       </p:grpSp>
+      <p:sp>
+        <p:nvSpPr>
+          <p:cNvPr id="62" name="Line 16">
+            <a:extLst>
+              <a:ext uri="{FF2B5EF4-FFF2-40B4-BE49-F238E27FC236}">
+                <a16:creationId xmlns:a16="http://schemas.microsoft.com/office/drawing/2014/main" id="{95BC985C-B3BD-4D6D-B8A0-544927B63596}"/>
+              </a:ext>
+            </a:extLst>
+          </p:cNvPr>
+          <p:cNvSpPr>
+            <a:spLocks noChangeShapeType="1"/>
+          </p:cNvSpPr>
+          <p:nvPr/>
+        </p:nvSpPr>
+        <p:spPr bwMode="auto">
+          <a:xfrm flipH="1" flipV="1">
+            <a:off x="3369253" y="3384836"/>
+            <a:ext cx="2231193" cy="6699"/>
+          </a:xfrm>
+          <a:prstGeom prst="line">
+            <a:avLst/>
+          </a:prstGeom>
+          <a:noFill/>
+          <a:ln w="19050">
+            <a:solidFill>
+              <a:schemeClr val="accent3">
+                <a:lumMod val="75000"/>
+              </a:schemeClr>
+            </a:solidFill>
+            <a:prstDash val="sysDash"/>
+            <a:round/>
+            <a:headEnd/>
+            <a:tailEnd type="triangle" w="lg" len="lg"/>
+          </a:ln>
+        </p:spPr>
+        <p:txBody>
+          <a:bodyPr/>
+          <a:lstStyle/>
+          <a:p>
+            <a:pPr defTabSz="872733"/>
+            <a:endParaRPr lang="en-US" sz="1500">
+              <a:solidFill>
+                <a:prstClr val="black"/>
+              </a:solidFill>
+            </a:endParaRPr>
+          </a:p>
+        </p:txBody>
+      </p:sp>
     </p:spTree>
     <p:extLst>
       <p:ext uri="{BB962C8B-B14F-4D97-AF65-F5344CB8AC3E}">

--- a/docs/Edit.pptx
+++ b/docs/Edit.pptx
@@ -3836,9 +3836,9 @@
         <p:grpSpPr>
           <a:xfrm>
             <a:off x="228600" y="172946"/>
-            <a:ext cx="8469191" cy="6423218"/>
+            <a:ext cx="8469191" cy="6532652"/>
             <a:chOff x="117858" y="197507"/>
-            <a:chExt cx="8414026" cy="7622675"/>
+            <a:chExt cx="8414026" cy="7752545"/>
           </a:xfrm>
         </p:grpSpPr>
         <p:sp>
@@ -3851,8 +3851,8 @@
           </p:nvSpPr>
           <p:spPr bwMode="auto">
             <a:xfrm flipH="1">
-              <a:off x="717650" y="839833"/>
-              <a:ext cx="11119" cy="6567646"/>
+              <a:off x="712756" y="839834"/>
+              <a:ext cx="16013" cy="7110218"/>
             </a:xfrm>
             <a:prstGeom prst="line">
               <a:avLst/>
@@ -3975,7 +3975,7 @@
           <p:spPr>
             <a:xfrm>
               <a:off x="603890" y="1120110"/>
-              <a:ext cx="229013" cy="6130890"/>
+              <a:ext cx="235804" cy="6739515"/>
             </a:xfrm>
             <a:prstGeom prst="rect">
               <a:avLst/>

--- a/docs/Edit.pptx
+++ b/docs/Edit.pptx
@@ -3835,10 +3835,10 @@
         </p:nvGrpSpPr>
         <p:grpSpPr>
           <a:xfrm>
-            <a:off x="228600" y="172946"/>
-            <a:ext cx="8469191" cy="6532652"/>
+            <a:off x="210674" y="162674"/>
+            <a:ext cx="8469191" cy="6460350"/>
             <a:chOff x="117858" y="197507"/>
-            <a:chExt cx="8414026" cy="7752545"/>
+            <a:chExt cx="8414026" cy="7666741"/>
           </a:xfrm>
         </p:grpSpPr>
         <p:sp>
@@ -3851,8 +3851,8 @@
           </p:nvSpPr>
           <p:spPr bwMode="auto">
             <a:xfrm flipH="1">
-              <a:off x="712756" y="839834"/>
-              <a:ext cx="16013" cy="7110218"/>
+              <a:off x="721298" y="839834"/>
+              <a:ext cx="0" cy="7024414"/>
             </a:xfrm>
             <a:prstGeom prst="line">
               <a:avLst/>
@@ -3906,7 +3906,7 @@
           </p:nvSpPr>
           <p:spPr bwMode="auto">
             <a:xfrm>
-              <a:off x="2571683" y="914632"/>
+              <a:off x="2632951" y="914632"/>
               <a:ext cx="967275" cy="600164"/>
             </a:xfrm>
             <a:prstGeom prst="rect">
@@ -3968,125 +3968,36 @@
         </p:sp>
         <p:sp>
           <p:nvSpPr>
-            <p:cNvPr id="17" name="Rectangle 16"/>
-            <p:cNvSpPr/>
-            <p:nvPr/>
-          </p:nvSpPr>
-          <p:spPr>
-            <a:xfrm>
-              <a:off x="603890" y="1120110"/>
-              <a:ext cx="235804" cy="6739515"/>
-            </a:xfrm>
-            <a:prstGeom prst="rect">
-              <a:avLst/>
-            </a:prstGeom>
-            <a:solidFill>
-              <a:schemeClr val="accent2">
-                <a:lumMod val="40000"/>
-                <a:lumOff val="60000"/>
-              </a:schemeClr>
-            </a:solidFill>
-            <a:ln>
-              <a:solidFill>
-                <a:schemeClr val="accent2">
-                  <a:lumMod val="60000"/>
-                  <a:lumOff val="40000"/>
-                </a:schemeClr>
-              </a:solidFill>
-            </a:ln>
-          </p:spPr>
-          <p:style>
-            <a:lnRef idx="2">
-              <a:schemeClr val="accent4"/>
-            </a:lnRef>
-            <a:fillRef idx="1">
-              <a:schemeClr val="lt1"/>
-            </a:fillRef>
-            <a:effectRef idx="0">
-              <a:schemeClr val="accent4"/>
-            </a:effectRef>
-            <a:fontRef idx="minor">
-              <a:schemeClr val="dk1"/>
-            </a:fontRef>
-          </p:style>
-          <p:txBody>
-            <a:bodyPr rtlCol="0" anchor="ctr"/>
-            <a:lstStyle/>
-            <a:p>
-              <a:pPr algn="ctr" defTabSz="872733"/>
-              <a:endParaRPr lang="en-US" sz="1500">
-                <a:solidFill>
-                  <a:prstClr val="black"/>
-                </a:solidFill>
-              </a:endParaRPr>
-            </a:p>
-          </p:txBody>
-        </p:sp>
-        <p:sp>
-          <p:nvSpPr>
-            <p:cNvPr id="18" name="Text Box 11"/>
-            <p:cNvSpPr txBox="1">
-              <a:spLocks noChangeArrowheads="1"/>
+            <p:cNvPr id="20" name="Line 15"/>
+            <p:cNvSpPr>
+              <a:spLocks noChangeShapeType="1"/>
             </p:cNvSpPr>
             <p:nvPr/>
           </p:nvSpPr>
           <p:spPr bwMode="auto">
-            <a:xfrm>
-              <a:off x="4811485" y="2871882"/>
-              <a:ext cx="1596653" cy="600164"/>
+            <a:xfrm flipV="1">
+              <a:off x="728769" y="1273822"/>
+              <a:ext cx="1904183" cy="0"/>
             </a:xfrm>
-            <a:prstGeom prst="rect">
+            <a:prstGeom prst="line">
               <a:avLst/>
             </a:prstGeom>
+            <a:noFill/>
             <a:ln w="19050">
+              <a:solidFill>
+                <a:srgbClr val="7030A0"/>
+              </a:solidFill>
+              <a:round/>
               <a:headEnd/>
-              <a:tailEnd/>
+              <a:tailEnd type="triangle" w="lg" len="lg"/>
             </a:ln>
           </p:spPr>
-          <p:style>
-            <a:lnRef idx="1">
-              <a:schemeClr val="accent3"/>
-            </a:lnRef>
-            <a:fillRef idx="2">
-              <a:schemeClr val="accent3"/>
-            </a:fillRef>
-            <a:effectRef idx="1">
-              <a:schemeClr val="accent3"/>
-            </a:effectRef>
-            <a:fontRef idx="minor">
-              <a:schemeClr val="dk1"/>
-            </a:fontRef>
-          </p:style>
           <p:txBody>
-            <a:bodyPr wrap="square" tIns="182880" bIns="182880">
-              <a:spAutoFit/>
-            </a:bodyPr>
+            <a:bodyPr/>
             <a:lstStyle/>
             <a:p>
-              <a:pPr algn="ctr" defTabSz="872733">
-                <a:spcBef>
-                  <a:spcPct val="50000"/>
-                </a:spcBef>
-                <a:buFont typeface="Wingdings" pitchFamily="2" charset="2"/>
-                <a:buNone/>
-              </a:pPr>
-              <a:r>
-                <a:rPr lang="en-US" sz="1500" dirty="0">
-                  <a:solidFill>
-                    <a:prstClr val="black"/>
-                  </a:solidFill>
-                </a:rPr>
-                <a:t>:</a:t>
-              </a:r>
-              <a:r>
-                <a:rPr lang="en-US" sz="1500" dirty="0" err="1">
-                  <a:solidFill>
-                    <a:prstClr val="black"/>
-                  </a:solidFill>
-                </a:rPr>
-                <a:t>EditCommand</a:t>
-              </a:r>
-              <a:endParaRPr lang="en-US" sz="1500" dirty="0">
+              <a:pPr defTabSz="872733"/>
+              <a:endParaRPr lang="en-US" sz="1500">
                 <a:solidFill>
                   <a:prstClr val="black"/>
                 </a:solidFill>
@@ -4104,8 +4015,8 @@
           </p:nvSpPr>
           <p:spPr bwMode="auto">
             <a:xfrm>
-              <a:off x="3026682" y="1536671"/>
-              <a:ext cx="2699" cy="3248802"/>
+              <a:off x="3143305" y="1536670"/>
+              <a:ext cx="0" cy="2698375"/>
             </a:xfrm>
             <a:prstGeom prst="line">
               <a:avLst/>
@@ -4150,45 +4061,6 @@
         </p:sp>
         <p:sp>
           <p:nvSpPr>
-            <p:cNvPr id="20" name="Line 15"/>
-            <p:cNvSpPr>
-              <a:spLocks noChangeShapeType="1"/>
-            </p:cNvSpPr>
-            <p:nvPr/>
-          </p:nvSpPr>
-          <p:spPr bwMode="auto">
-            <a:xfrm flipV="1">
-              <a:off x="823868" y="1297145"/>
-              <a:ext cx="1747815" cy="12191"/>
-            </a:xfrm>
-            <a:prstGeom prst="line">
-              <a:avLst/>
-            </a:prstGeom>
-            <a:noFill/>
-            <a:ln w="19050">
-              <a:solidFill>
-                <a:srgbClr val="7030A0"/>
-              </a:solidFill>
-              <a:round/>
-              <a:headEnd/>
-              <a:tailEnd type="triangle" w="lg" len="lg"/>
-            </a:ln>
-          </p:spPr>
-          <p:txBody>
-            <a:bodyPr/>
-            <a:lstStyle/>
-            <a:p>
-              <a:pPr defTabSz="872733"/>
-              <a:endParaRPr lang="en-US" sz="1500">
-                <a:solidFill>
-                  <a:prstClr val="black"/>
-                </a:solidFill>
-              </a:endParaRPr>
-            </a:p>
-          </p:txBody>
-        </p:sp>
-        <p:sp>
-          <p:nvSpPr>
             <p:cNvPr id="21" name="Text Box 25"/>
             <p:cNvSpPr txBox="1">
               <a:spLocks noChangeArrowheads="1"/>
@@ -4197,7 +4069,7 @@
           </p:nvSpPr>
           <p:spPr bwMode="auto">
             <a:xfrm>
-              <a:off x="6126015" y="4946607"/>
+              <a:off x="6125564" y="4267781"/>
               <a:ext cx="1584515" cy="323165"/>
             </a:xfrm>
             <a:prstGeom prst="rect">
@@ -4245,8 +4117,8 @@
           </p:nvSpPr>
           <p:spPr bwMode="auto">
             <a:xfrm flipV="1">
-              <a:off x="3194466" y="3173731"/>
-              <a:ext cx="1628156" cy="7946"/>
+              <a:off x="3159315" y="2819959"/>
+              <a:ext cx="1720998" cy="0"/>
             </a:xfrm>
             <a:prstGeom prst="line">
               <a:avLst/>
@@ -4286,7 +4158,7 @@
           </p:nvSpPr>
           <p:spPr bwMode="auto">
             <a:xfrm>
-              <a:off x="808004" y="2632475"/>
+              <a:off x="872562" y="1839153"/>
               <a:ext cx="2500554" cy="323165"/>
             </a:xfrm>
             <a:prstGeom prst="rect">
@@ -4342,8 +4214,8 @@
           </p:nvSpPr>
           <p:spPr bwMode="auto">
             <a:xfrm>
-              <a:off x="965943" y="3622404"/>
-              <a:ext cx="1710047" cy="553998"/>
+              <a:off x="1133142" y="2795516"/>
+              <a:ext cx="1710047" cy="657450"/>
             </a:xfrm>
             <a:prstGeom prst="rect">
               <a:avLst/>
@@ -4391,8 +4263,8 @@
           </p:nvSpPr>
           <p:spPr bwMode="auto">
             <a:xfrm flipV="1">
-              <a:off x="863760" y="3007916"/>
-              <a:ext cx="2040971" cy="1"/>
+              <a:off x="724593" y="2180860"/>
+              <a:ext cx="2418711" cy="0"/>
             </a:xfrm>
             <a:prstGeom prst="line">
               <a:avLst/>
@@ -4474,8 +4346,8 @@
           </p:nvSpPr>
           <p:spPr bwMode="auto">
             <a:xfrm flipH="1">
-              <a:off x="5583867" y="3990671"/>
-              <a:ext cx="12611" cy="3584793"/>
+              <a:off x="5583867" y="2639101"/>
+              <a:ext cx="0" cy="4936363"/>
             </a:xfrm>
             <a:prstGeom prst="line">
               <a:avLst/>
@@ -4510,61 +4382,6 @@
             <a:lstStyle/>
             <a:p>
               <a:pPr defTabSz="872733"/>
-              <a:endParaRPr lang="en-US" sz="1500">
-                <a:solidFill>
-                  <a:prstClr val="black"/>
-                </a:solidFill>
-              </a:endParaRPr>
-            </a:p>
-          </p:txBody>
-        </p:sp>
-        <p:sp>
-          <p:nvSpPr>
-            <p:cNvPr id="40" name="Rectangle 39"/>
-            <p:cNvSpPr/>
-            <p:nvPr/>
-          </p:nvSpPr>
-          <p:spPr>
-            <a:xfrm>
-              <a:off x="5460881" y="3493320"/>
-              <a:ext cx="321233" cy="531758"/>
-            </a:xfrm>
-            <a:prstGeom prst="rect">
-              <a:avLst/>
-            </a:prstGeom>
-            <a:solidFill>
-              <a:schemeClr val="accent3">
-                <a:lumMod val="20000"/>
-                <a:lumOff val="80000"/>
-              </a:schemeClr>
-            </a:solidFill>
-            <a:ln>
-              <a:solidFill>
-                <a:schemeClr val="accent3">
-                  <a:lumMod val="75000"/>
-                </a:schemeClr>
-              </a:solidFill>
-            </a:ln>
-          </p:spPr>
-          <p:style>
-            <a:lnRef idx="2">
-              <a:schemeClr val="accent4"/>
-            </a:lnRef>
-            <a:fillRef idx="1">
-              <a:schemeClr val="lt1"/>
-            </a:fillRef>
-            <a:effectRef idx="0">
-              <a:schemeClr val="accent4"/>
-            </a:effectRef>
-            <a:fontRef idx="minor">
-              <a:schemeClr val="dk1"/>
-            </a:fontRef>
-          </p:style>
-          <p:txBody>
-            <a:bodyPr rtlCol="0" anchor="ctr"/>
-            <a:lstStyle/>
-            <a:p>
-              <a:pPr algn="ctr" defTabSz="872733"/>
               <a:endParaRPr lang="en-US" sz="1500">
                 <a:solidFill>
                   <a:prstClr val="black"/>
@@ -4732,67 +4549,6 @@
         </p:sp>
         <p:sp>
           <p:nvSpPr>
-            <p:cNvPr id="44" name="Rectangle 43">
-              <a:extLst>
-                <a:ext uri="{FF2B5EF4-FFF2-40B4-BE49-F238E27FC236}">
-                  <a16:creationId xmlns:a16="http://schemas.microsoft.com/office/drawing/2014/main" id="{1ABAE2EE-0C6F-40C9-9F83-C6E45146189B}"/>
-                </a:ext>
-              </a:extLst>
-            </p:cNvPr>
-            <p:cNvSpPr/>
-            <p:nvPr/>
-          </p:nvSpPr>
-          <p:spPr>
-            <a:xfrm>
-              <a:off x="2918894" y="3010139"/>
-              <a:ext cx="286905" cy="1268640"/>
-            </a:xfrm>
-            <a:prstGeom prst="rect">
-              <a:avLst/>
-            </a:prstGeom>
-            <a:solidFill>
-              <a:schemeClr val="accent4">
-                <a:lumMod val="40000"/>
-                <a:lumOff val="60000"/>
-              </a:schemeClr>
-            </a:solidFill>
-            <a:ln>
-              <a:solidFill>
-                <a:schemeClr val="accent4">
-                  <a:lumMod val="75000"/>
-                </a:schemeClr>
-              </a:solidFill>
-            </a:ln>
-          </p:spPr>
-          <p:style>
-            <a:lnRef idx="2">
-              <a:schemeClr val="accent4"/>
-            </a:lnRef>
-            <a:fillRef idx="1">
-              <a:schemeClr val="lt1"/>
-            </a:fillRef>
-            <a:effectRef idx="0">
-              <a:schemeClr val="accent4"/>
-            </a:effectRef>
-            <a:fontRef idx="minor">
-              <a:schemeClr val="dk1"/>
-            </a:fontRef>
-          </p:style>
-          <p:txBody>
-            <a:bodyPr rtlCol="0" anchor="ctr"/>
-            <a:lstStyle/>
-            <a:p>
-              <a:pPr algn="ctr" defTabSz="872733"/>
-              <a:endParaRPr lang="en-US" sz="1500">
-                <a:solidFill>
-                  <a:prstClr val="black"/>
-                </a:solidFill>
-              </a:endParaRPr>
-            </a:p>
-          </p:txBody>
-        </p:sp>
-        <p:sp>
-          <p:nvSpPr>
             <p:cNvPr id="45" name="Line 15">
               <a:extLst>
                 <a:ext uri="{FF2B5EF4-FFF2-40B4-BE49-F238E27FC236}">
@@ -4807,8 +4563,8 @@
           </p:nvSpPr>
           <p:spPr bwMode="auto">
             <a:xfrm>
-              <a:off x="852246" y="5138794"/>
-              <a:ext cx="4579394" cy="7948"/>
+              <a:off x="724594" y="4352051"/>
+              <a:ext cx="4859273" cy="0"/>
             </a:xfrm>
             <a:prstGeom prst="line">
               <a:avLst/>
@@ -4854,8 +4610,8 @@
           </p:nvSpPr>
           <p:spPr bwMode="auto">
             <a:xfrm>
-              <a:off x="5817398" y="5327601"/>
-              <a:ext cx="1851768" cy="15527"/>
+              <a:off x="5594137" y="4627084"/>
+              <a:ext cx="2233503" cy="0"/>
             </a:xfrm>
             <a:prstGeom prst="line">
               <a:avLst/>
@@ -4901,7 +4657,7 @@
           </p:nvSpPr>
           <p:spPr bwMode="auto">
             <a:xfrm>
-              <a:off x="3250755" y="2827088"/>
+              <a:off x="3323780" y="2458242"/>
               <a:ext cx="1412001" cy="383512"/>
             </a:xfrm>
             <a:prstGeom prst="rect">
@@ -4954,9 +4710,9 @@
             <p:nvPr/>
           </p:nvSpPr>
           <p:spPr bwMode="auto">
-            <a:xfrm flipH="1">
-              <a:off x="852246" y="4258886"/>
-              <a:ext cx="2016629" cy="7945"/>
+            <a:xfrm flipH="1" flipV="1">
+              <a:off x="740604" y="3459569"/>
+              <a:ext cx="2418711" cy="0"/>
             </a:xfrm>
             <a:prstGeom prst="line">
               <a:avLst/>
@@ -5001,7 +4757,7 @@
           </p:nvSpPr>
           <p:spPr bwMode="auto">
             <a:xfrm>
-              <a:off x="3848873" y="4785024"/>
+              <a:off x="3924577" y="3995543"/>
               <a:ext cx="886908" cy="323165"/>
             </a:xfrm>
             <a:prstGeom prst="rect">
@@ -5052,7 +4808,7 @@
           <p:spPr bwMode="auto">
             <a:xfrm flipH="1">
               <a:off x="7820170" y="3139120"/>
-              <a:ext cx="7470" cy="4681062"/>
+              <a:ext cx="0" cy="4681062"/>
             </a:xfrm>
             <a:prstGeom prst="line">
               <a:avLst/>
@@ -5087,66 +4843,6 @@
             <a:lstStyle/>
             <a:p>
               <a:pPr defTabSz="872733"/>
-              <a:endParaRPr lang="en-US" sz="1500">
-                <a:solidFill>
-                  <a:prstClr val="black"/>
-                </a:solidFill>
-              </a:endParaRPr>
-            </a:p>
-          </p:txBody>
-        </p:sp>
-        <p:sp>
-          <p:nvSpPr>
-            <p:cNvPr id="53" name="Rectangle 52">
-              <a:extLst>
-                <a:ext uri="{FF2B5EF4-FFF2-40B4-BE49-F238E27FC236}">
-                  <a16:creationId xmlns:a16="http://schemas.microsoft.com/office/drawing/2014/main" id="{E7397DF1-A503-43B8-9D46-710440F45D61}"/>
-                </a:ext>
-              </a:extLst>
-            </p:cNvPr>
-            <p:cNvSpPr/>
-            <p:nvPr/>
-          </p:nvSpPr>
-          <p:spPr>
-            <a:xfrm>
-              <a:off x="7688224" y="5327602"/>
-              <a:ext cx="281273" cy="1388474"/>
-            </a:xfrm>
-            <a:prstGeom prst="rect">
-              <a:avLst/>
-            </a:prstGeom>
-            <a:solidFill>
-              <a:schemeClr val="bg2">
-                <a:lumMod val="75000"/>
-              </a:schemeClr>
-            </a:solidFill>
-            <a:ln>
-              <a:solidFill>
-                <a:schemeClr val="bg2">
-                  <a:lumMod val="50000"/>
-                </a:schemeClr>
-              </a:solidFill>
-            </a:ln>
-          </p:spPr>
-          <p:style>
-            <a:lnRef idx="2">
-              <a:schemeClr val="accent4"/>
-            </a:lnRef>
-            <a:fillRef idx="1">
-              <a:schemeClr val="lt1"/>
-            </a:fillRef>
-            <a:effectRef idx="0">
-              <a:schemeClr val="accent4"/>
-            </a:effectRef>
-            <a:fontRef idx="minor">
-              <a:schemeClr val="dk1"/>
-            </a:fontRef>
-          </p:style>
-          <p:txBody>
-            <a:bodyPr rtlCol="0" anchor="ctr"/>
-            <a:lstStyle/>
-            <a:p>
-              <a:pPr algn="ctr" defTabSz="872733"/>
               <a:endParaRPr lang="en-US" sz="1500">
                 <a:solidFill>
                   <a:prstClr val="black"/>
@@ -5257,8 +4953,8 @@
           </p:nvSpPr>
           <p:spPr bwMode="auto">
             <a:xfrm flipH="1" flipV="1">
-              <a:off x="5792157" y="5668257"/>
-              <a:ext cx="1918374" cy="19721"/>
+              <a:off x="5613187" y="5058101"/>
+              <a:ext cx="2214453" cy="0"/>
             </a:xfrm>
             <a:prstGeom prst="line">
               <a:avLst/>
@@ -5289,261 +4985,79 @@
             </a:p>
           </p:txBody>
         </p:sp>
+        <p:sp>
+          <p:nvSpPr>
+            <p:cNvPr id="18" name="Text Box 11"/>
+            <p:cNvSpPr txBox="1">
+              <a:spLocks noChangeArrowheads="1"/>
+            </p:cNvSpPr>
+            <p:nvPr/>
+          </p:nvSpPr>
+          <p:spPr bwMode="auto">
+            <a:xfrm>
+              <a:off x="4880313" y="2491084"/>
+              <a:ext cx="1596653" cy="600164"/>
+            </a:xfrm>
+            <a:prstGeom prst="rect">
+              <a:avLst/>
+            </a:prstGeom>
+            <a:ln w="19050">
+              <a:headEnd/>
+              <a:tailEnd/>
+            </a:ln>
+          </p:spPr>
+          <p:style>
+            <a:lnRef idx="1">
+              <a:schemeClr val="accent3"/>
+            </a:lnRef>
+            <a:fillRef idx="2">
+              <a:schemeClr val="accent3"/>
+            </a:fillRef>
+            <a:effectRef idx="1">
+              <a:schemeClr val="accent3"/>
+            </a:effectRef>
+            <a:fontRef idx="minor">
+              <a:schemeClr val="dk1"/>
+            </a:fontRef>
+          </p:style>
+          <p:txBody>
+            <a:bodyPr wrap="square" tIns="182880" bIns="182880">
+              <a:spAutoFit/>
+            </a:bodyPr>
+            <a:lstStyle/>
+            <a:p>
+              <a:pPr algn="ctr" defTabSz="872733">
+                <a:spcBef>
+                  <a:spcPct val="50000"/>
+                </a:spcBef>
+                <a:buFont typeface="Wingdings" pitchFamily="2" charset="2"/>
+                <a:buNone/>
+              </a:pPr>
+              <a:r>
+                <a:rPr lang="en-US" sz="1500" dirty="0">
+                  <a:solidFill>
+                    <a:prstClr val="black"/>
+                  </a:solidFill>
+                </a:rPr>
+                <a:t>:</a:t>
+              </a:r>
+              <a:r>
+                <a:rPr lang="en-US" sz="1500" dirty="0" err="1">
+                  <a:solidFill>
+                    <a:prstClr val="black"/>
+                  </a:solidFill>
+                </a:rPr>
+                <a:t>EditCommand</a:t>
+              </a:r>
+              <a:endParaRPr lang="en-US" sz="1500" dirty="0">
+                <a:solidFill>
+                  <a:prstClr val="black"/>
+                </a:solidFill>
+              </a:endParaRPr>
+            </a:p>
+          </p:txBody>
+        </p:sp>
       </p:grpSp>
-      <p:sp>
-        <p:nvSpPr>
-          <p:cNvPr id="61" name="Rectangle 60">
-            <a:extLst>
-              <a:ext uri="{FF2B5EF4-FFF2-40B4-BE49-F238E27FC236}">
-                <a16:creationId xmlns:a16="http://schemas.microsoft.com/office/drawing/2014/main" id="{88A51D3B-623E-4A04-8E2A-68F62F9AC7CD}"/>
-              </a:ext>
-            </a:extLst>
-          </p:cNvPr>
-          <p:cNvSpPr/>
-          <p:nvPr/>
-        </p:nvSpPr>
-        <p:spPr>
-          <a:xfrm>
-            <a:off x="5606100" y="4343400"/>
-            <a:ext cx="323339" cy="1905002"/>
-          </a:xfrm>
-          <a:prstGeom prst="rect">
-            <a:avLst/>
-          </a:prstGeom>
-          <a:solidFill>
-            <a:schemeClr val="accent3">
-              <a:lumMod val="20000"/>
-              <a:lumOff val="80000"/>
-            </a:schemeClr>
-          </a:solidFill>
-          <a:ln>
-            <a:solidFill>
-              <a:schemeClr val="accent3">
-                <a:lumMod val="75000"/>
-              </a:schemeClr>
-            </a:solidFill>
-          </a:ln>
-        </p:spPr>
-        <p:style>
-          <a:lnRef idx="2">
-            <a:schemeClr val="accent4"/>
-          </a:lnRef>
-          <a:fillRef idx="1">
-            <a:schemeClr val="lt1"/>
-          </a:fillRef>
-          <a:effectRef idx="0">
-            <a:schemeClr val="accent4"/>
-          </a:effectRef>
-          <a:fontRef idx="minor">
-            <a:schemeClr val="dk1"/>
-          </a:fontRef>
-        </p:style>
-        <p:txBody>
-          <a:bodyPr rtlCol="0" anchor="ctr"/>
-          <a:lstStyle/>
-          <a:p>
-            <a:pPr algn="ctr" defTabSz="872733"/>
-            <a:endParaRPr lang="en-US" sz="1500">
-              <a:solidFill>
-                <a:prstClr val="black"/>
-              </a:solidFill>
-            </a:endParaRPr>
-          </a:p>
-        </p:txBody>
-      </p:sp>
-      <p:cxnSp>
-        <p:nvCxnSpPr>
-          <p:cNvPr id="36" name="Straight Connector 35">
-            <a:extLst>
-              <a:ext uri="{FF2B5EF4-FFF2-40B4-BE49-F238E27FC236}">
-                <a16:creationId xmlns:a16="http://schemas.microsoft.com/office/drawing/2014/main" id="{AA1C11BE-E98D-442A-9508-8D184D263297}"/>
-              </a:ext>
-            </a:extLst>
-          </p:cNvPr>
-          <p:cNvCxnSpPr/>
-          <p:nvPr/>
-        </p:nvCxnSpPr>
-        <p:spPr>
-          <a:xfrm rot="16200000" flipV="1">
-            <a:off x="3022058" y="3922154"/>
-            <a:ext cx="239674" cy="269410"/>
-          </a:xfrm>
-          <a:prstGeom prst="line">
-            <a:avLst/>
-          </a:prstGeom>
-          <a:ln w="19050">
-            <a:solidFill>
-              <a:schemeClr val="accent4">
-                <a:lumMod val="75000"/>
-              </a:schemeClr>
-            </a:solidFill>
-          </a:ln>
-        </p:spPr>
-        <p:style>
-          <a:lnRef idx="1">
-            <a:schemeClr val="accent1"/>
-          </a:lnRef>
-          <a:fillRef idx="0">
-            <a:schemeClr val="accent1"/>
-          </a:fillRef>
-          <a:effectRef idx="0">
-            <a:schemeClr val="accent1"/>
-          </a:effectRef>
-          <a:fontRef idx="minor">
-            <a:schemeClr val="tx1"/>
-          </a:fontRef>
-        </p:style>
-      </p:cxnSp>
-      <p:cxnSp>
-        <p:nvCxnSpPr>
-          <p:cNvPr id="37" name="Straight Connector 36">
-            <a:extLst>
-              <a:ext uri="{FF2B5EF4-FFF2-40B4-BE49-F238E27FC236}">
-                <a16:creationId xmlns:a16="http://schemas.microsoft.com/office/drawing/2014/main" id="{657575BD-4316-4D6C-88D2-A62A17C5DC9D}"/>
-              </a:ext>
-            </a:extLst>
-          </p:cNvPr>
-          <p:cNvCxnSpPr/>
-          <p:nvPr/>
-        </p:nvCxnSpPr>
-        <p:spPr>
-          <a:xfrm rot="5400000">
-            <a:off x="3015732" y="3926075"/>
-            <a:ext cx="242830" cy="267751"/>
-          </a:xfrm>
-          <a:prstGeom prst="line">
-            <a:avLst/>
-          </a:prstGeom>
-          <a:ln w="19050">
-            <a:solidFill>
-              <a:schemeClr val="accent4">
-                <a:lumMod val="75000"/>
-              </a:schemeClr>
-            </a:solidFill>
-          </a:ln>
-        </p:spPr>
-        <p:style>
-          <a:lnRef idx="1">
-            <a:schemeClr val="accent1"/>
-          </a:lnRef>
-          <a:fillRef idx="0">
-            <a:schemeClr val="accent1"/>
-          </a:fillRef>
-          <a:effectRef idx="0">
-            <a:schemeClr val="accent1"/>
-          </a:effectRef>
-          <a:fontRef idx="minor">
-            <a:schemeClr val="tx1"/>
-          </a:fontRef>
-        </p:style>
-      </p:cxnSp>
-      <p:sp>
-        <p:nvSpPr>
-          <p:cNvPr id="39" name="Rectangle 38">
-            <a:extLst>
-              <a:ext uri="{FF2B5EF4-FFF2-40B4-BE49-F238E27FC236}">
-                <a16:creationId xmlns:a16="http://schemas.microsoft.com/office/drawing/2014/main" id="{ACBD50A8-85E4-4947-8642-FBCB98648421}"/>
-              </a:ext>
-            </a:extLst>
-          </p:cNvPr>
-          <p:cNvSpPr/>
-          <p:nvPr/>
-        </p:nvSpPr>
-        <p:spPr>
-          <a:xfrm>
-            <a:off x="2997502" y="1295400"/>
-            <a:ext cx="288786" cy="420124"/>
-          </a:xfrm>
-          <a:prstGeom prst="rect">
-            <a:avLst/>
-          </a:prstGeom>
-          <a:solidFill>
-            <a:schemeClr val="accent4">
-              <a:lumMod val="40000"/>
-              <a:lumOff val="60000"/>
-            </a:schemeClr>
-          </a:solidFill>
-          <a:ln>
-            <a:solidFill>
-              <a:schemeClr val="accent4">
-                <a:lumMod val="75000"/>
-              </a:schemeClr>
-            </a:solidFill>
-          </a:ln>
-        </p:spPr>
-        <p:style>
-          <a:lnRef idx="2">
-            <a:schemeClr val="accent4"/>
-          </a:lnRef>
-          <a:fillRef idx="1">
-            <a:schemeClr val="lt1"/>
-          </a:fillRef>
-          <a:effectRef idx="0">
-            <a:schemeClr val="accent4"/>
-          </a:effectRef>
-          <a:fontRef idx="minor">
-            <a:schemeClr val="dk1"/>
-          </a:fontRef>
-        </p:style>
-        <p:txBody>
-          <a:bodyPr rtlCol="0" anchor="ctr"/>
-          <a:lstStyle/>
-          <a:p>
-            <a:pPr algn="ctr" defTabSz="872733"/>
-            <a:endParaRPr lang="en-US" sz="1500">
-              <a:solidFill>
-                <a:prstClr val="black"/>
-              </a:solidFill>
-            </a:endParaRPr>
-          </a:p>
-        </p:txBody>
-      </p:sp>
-      <p:sp>
-        <p:nvSpPr>
-          <p:cNvPr id="41" name="Line 16">
-            <a:extLst>
-              <a:ext uri="{FF2B5EF4-FFF2-40B4-BE49-F238E27FC236}">
-                <a16:creationId xmlns:a16="http://schemas.microsoft.com/office/drawing/2014/main" id="{13582647-41A4-4521-BBF4-5ED504308A33}"/>
-              </a:ext>
-            </a:extLst>
-          </p:cNvPr>
-          <p:cNvSpPr>
-            <a:spLocks noChangeShapeType="1"/>
-          </p:cNvSpPr>
-          <p:nvPr/>
-        </p:nvSpPr>
-        <p:spPr bwMode="auto">
-          <a:xfrm flipH="1">
-            <a:off x="939239" y="1703833"/>
-            <a:ext cx="2051088" cy="2"/>
-          </a:xfrm>
-          <a:prstGeom prst="line">
-            <a:avLst/>
-          </a:prstGeom>
-          <a:noFill/>
-          <a:ln w="19050">
-            <a:solidFill>
-              <a:schemeClr val="accent4"/>
-            </a:solidFill>
-            <a:prstDash val="sysDash"/>
-            <a:round/>
-            <a:headEnd/>
-            <a:tailEnd type="triangle" w="lg" len="lg"/>
-          </a:ln>
-        </p:spPr>
-        <p:txBody>
-          <a:bodyPr/>
-          <a:lstStyle/>
-          <a:p>
-            <a:pPr defTabSz="872733"/>
-            <a:endParaRPr lang="en-US" sz="1500">
-              <a:solidFill>
-                <a:prstClr val="black"/>
-              </a:solidFill>
-            </a:endParaRPr>
-          </a:p>
-        </p:txBody>
-      </p:sp>
       <p:grpSp>
         <p:nvGrpSpPr>
           <p:cNvPr id="4" name="Group 3">
@@ -5558,7 +5072,7 @@
         </p:nvGrpSpPr>
         <p:grpSpPr>
           <a:xfrm>
-            <a:off x="5292255" y="5424110"/>
+            <a:off x="5334000" y="4721710"/>
             <a:ext cx="3562689" cy="612290"/>
             <a:chOff x="5325541" y="911710"/>
             <a:chExt cx="3380529" cy="601724"/>
@@ -5735,10 +5249,10 @@
       </p:grpSp>
       <p:sp>
         <p:nvSpPr>
-          <p:cNvPr id="62" name="Line 16">
+          <p:cNvPr id="50" name="Line 16">
             <a:extLst>
               <a:ext uri="{FF2B5EF4-FFF2-40B4-BE49-F238E27FC236}">
-                <a16:creationId xmlns:a16="http://schemas.microsoft.com/office/drawing/2014/main" id="{95BC985C-B3BD-4D6D-B8A0-544927B63596}"/>
+                <a16:creationId xmlns:a16="http://schemas.microsoft.com/office/drawing/2014/main" id="{6085326A-F568-46DA-B294-6BEC6242F130}"/>
               </a:ext>
             </a:extLst>
           </p:cNvPr>
@@ -5749,8 +5263,8 @@
         </p:nvSpPr>
         <p:spPr bwMode="auto">
           <a:xfrm flipH="1" flipV="1">
-            <a:off x="3369253" y="3384836"/>
-            <a:ext cx="2231193" cy="6699"/>
+            <a:off x="811050" y="5813883"/>
+            <a:ext cx="4911807" cy="0"/>
           </a:xfrm>
           <a:prstGeom prst="line">
             <a:avLst/>
@@ -5781,6 +5295,92 @@
           </a:p>
         </p:txBody>
       </p:sp>
+      <p:cxnSp>
+        <p:nvCxnSpPr>
+          <p:cNvPr id="60" name="Straight Connector 59">
+            <a:extLst>
+              <a:ext uri="{FF2B5EF4-FFF2-40B4-BE49-F238E27FC236}">
+                <a16:creationId xmlns:a16="http://schemas.microsoft.com/office/drawing/2014/main" id="{12128C05-856A-4938-B71C-ECD99FD9D540}"/>
+              </a:ext>
+            </a:extLst>
+          </p:cNvPr>
+          <p:cNvCxnSpPr/>
+          <p:nvPr/>
+        </p:nvCxnSpPr>
+        <p:spPr>
+          <a:xfrm rot="16200000" flipV="1">
+            <a:off x="3142987" y="3414133"/>
+            <a:ext cx="239674" cy="269410"/>
+          </a:xfrm>
+          <a:prstGeom prst="line">
+            <a:avLst/>
+          </a:prstGeom>
+          <a:ln w="19050">
+            <a:solidFill>
+              <a:schemeClr val="accent4">
+                <a:lumMod val="75000"/>
+              </a:schemeClr>
+            </a:solidFill>
+          </a:ln>
+        </p:spPr>
+        <p:style>
+          <a:lnRef idx="1">
+            <a:schemeClr val="accent1"/>
+          </a:lnRef>
+          <a:fillRef idx="0">
+            <a:schemeClr val="accent1"/>
+          </a:fillRef>
+          <a:effectRef idx="0">
+            <a:schemeClr val="accent1"/>
+          </a:effectRef>
+          <a:fontRef idx="minor">
+            <a:schemeClr val="tx1"/>
+          </a:fontRef>
+        </p:style>
+      </p:cxnSp>
+      <p:cxnSp>
+        <p:nvCxnSpPr>
+          <p:cNvPr id="63" name="Straight Connector 62">
+            <a:extLst>
+              <a:ext uri="{FF2B5EF4-FFF2-40B4-BE49-F238E27FC236}">
+                <a16:creationId xmlns:a16="http://schemas.microsoft.com/office/drawing/2014/main" id="{4382CFC8-C40F-4EAF-8CEE-9E91A04AB338}"/>
+              </a:ext>
+            </a:extLst>
+          </p:cNvPr>
+          <p:cNvCxnSpPr/>
+          <p:nvPr/>
+        </p:nvCxnSpPr>
+        <p:spPr>
+          <a:xfrm rot="5400000">
+            <a:off x="3136661" y="3418056"/>
+            <a:ext cx="242830" cy="267751"/>
+          </a:xfrm>
+          <a:prstGeom prst="line">
+            <a:avLst/>
+          </a:prstGeom>
+          <a:ln w="19050">
+            <a:solidFill>
+              <a:schemeClr val="accent4">
+                <a:lumMod val="75000"/>
+              </a:schemeClr>
+            </a:solidFill>
+          </a:ln>
+        </p:spPr>
+        <p:style>
+          <a:lnRef idx="1">
+            <a:schemeClr val="accent1"/>
+          </a:lnRef>
+          <a:fillRef idx="0">
+            <a:schemeClr val="accent1"/>
+          </a:fillRef>
+          <a:effectRef idx="0">
+            <a:schemeClr val="accent1"/>
+          </a:effectRef>
+          <a:fontRef idx="minor">
+            <a:schemeClr val="tx1"/>
+          </a:fontRef>
+        </p:style>
+      </p:cxnSp>
     </p:spTree>
     <p:extLst>
       <p:ext uri="{BB962C8B-B14F-4D97-AF65-F5344CB8AC3E}">
@@ -5791,6 +5391,87 @@
   <p:clrMapOvr>
     <a:masterClrMapping/>
   </p:clrMapOvr>
+  <p:timing>
+    <p:tnLst>
+      <p:par>
+        <p:cTn id="1" dur="indefinite" restart="never" nodeType="tmRoot">
+          <p:childTnLst>
+            <p:seq concurrent="1" nextAc="seek">
+              <p:cTn id="2" dur="indefinite" nodeType="mainSeq">
+                <p:childTnLst>
+                  <p:par>
+                    <p:cTn id="3" fill="hold">
+                      <p:stCondLst>
+                        <p:cond delay="indefinite"/>
+                        <p:cond evt="onBegin" delay="0">
+                          <p:tn val="2"/>
+                        </p:cond>
+                      </p:stCondLst>
+                      <p:childTnLst>
+                        <p:par>
+                          <p:cTn id="4" fill="hold">
+                            <p:stCondLst>
+                              <p:cond delay="0"/>
+                            </p:stCondLst>
+                            <p:childTnLst>
+                              <p:par>
+                                <p:cTn id="5" presetID="1" presetClass="exit" presetSubtype="0" fill="hold" grpId="0" nodeType="withEffect">
+                                  <p:stCondLst>
+                                    <p:cond delay="0"/>
+                                  </p:stCondLst>
+                                  <p:childTnLst>
+                                    <p:set>
+                                      <p:cBhvr>
+                                        <p:cTn id="6" dur="1" fill="hold">
+                                          <p:stCondLst>
+                                            <p:cond delay="0"/>
+                                          </p:stCondLst>
+                                        </p:cTn>
+                                        <p:tgtEl>
+                                          <p:spTgt spid="50"/>
+                                        </p:tgtEl>
+                                        <p:attrNameLst>
+                                          <p:attrName>style.visibility</p:attrName>
+                                        </p:attrNameLst>
+                                      </p:cBhvr>
+                                      <p:to>
+                                        <p:strVal val="hidden"/>
+                                      </p:to>
+                                    </p:set>
+                                  </p:childTnLst>
+                                </p:cTn>
+                              </p:par>
+                            </p:childTnLst>
+                          </p:cTn>
+                        </p:par>
+                      </p:childTnLst>
+                    </p:cTn>
+                  </p:par>
+                </p:childTnLst>
+              </p:cTn>
+              <p:prevCondLst>
+                <p:cond evt="onPrev" delay="0">
+                  <p:tgtEl>
+                    <p:sldTgt/>
+                  </p:tgtEl>
+                </p:cond>
+              </p:prevCondLst>
+              <p:nextCondLst>
+                <p:cond evt="onNext" delay="0">
+                  <p:tgtEl>
+                    <p:sldTgt/>
+                  </p:tgtEl>
+                </p:cond>
+              </p:nextCondLst>
+            </p:seq>
+          </p:childTnLst>
+        </p:cTn>
+      </p:par>
+    </p:tnLst>
+    <p:bldLst>
+      <p:bldP spid="50" grpId="0" animBg="1"/>
+    </p:bldLst>
+  </p:timing>
 </p:sld>
 </file>
 
@@ -5826,7 +5507,7 @@
         <p:grpSpPr>
           <a:xfrm>
             <a:off x="762000" y="914400"/>
-            <a:ext cx="7467600" cy="4876800"/>
+            <a:ext cx="8077200" cy="5562600"/>
             <a:chOff x="398286" y="343957"/>
             <a:chExt cx="8593314" cy="6056843"/>
           </a:xfrm>
@@ -5999,10 +5680,10 @@
           </p:nvGrpSpPr>
           <p:grpSpPr>
             <a:xfrm>
-              <a:off x="547026" y="2187954"/>
-              <a:ext cx="8049947" cy="3265945"/>
-              <a:chOff x="5749091" y="777099"/>
-              <a:chExt cx="3226030" cy="1895174"/>
+              <a:off x="560425" y="1917423"/>
+              <a:ext cx="8267221" cy="4130616"/>
+              <a:chOff x="5754461" y="620115"/>
+              <a:chExt cx="3313103" cy="2396928"/>
             </a:xfrm>
           </p:grpSpPr>
           <p:sp>
@@ -6021,8 +5702,8 @@
             </p:nvSpPr>
             <p:spPr bwMode="auto">
               <a:xfrm>
-                <a:off x="5757331" y="785959"/>
-                <a:ext cx="3193076" cy="1886314"/>
+                <a:off x="5754461" y="620115"/>
+                <a:ext cx="3313103" cy="2396928"/>
               </a:xfrm>
               <a:prstGeom prst="rect">
                 <a:avLst/>
@@ -6194,8 +5875,8 @@
             </p:nvSpPr>
             <p:spPr>
               <a:xfrm flipV="1">
-                <a:off x="5757328" y="777099"/>
-                <a:ext cx="365902" cy="337002"/>
+                <a:off x="5757328" y="621840"/>
+                <a:ext cx="329515" cy="297539"/>
               </a:xfrm>
               <a:prstGeom prst="snip1Rect">
                 <a:avLst/>
@@ -6252,8 +5933,8 @@
             </p:nvSpPr>
             <p:spPr bwMode="auto">
               <a:xfrm>
-                <a:off x="5782045" y="785959"/>
-                <a:ext cx="3193076" cy="381000"/>
+                <a:off x="5812004" y="621840"/>
+                <a:ext cx="208613" cy="325740"/>
               </a:xfrm>
               <a:prstGeom prst="rect">
                 <a:avLst/>
@@ -6409,7 +6090,7 @@
               <a:p>
                 <a:pPr defTabSz="872733"/>
                 <a:r>
-                  <a:rPr lang="en-US" dirty="0">
+                  <a:rPr lang="en-US" sz="1900" dirty="0">
                     <a:solidFill>
                       <a:schemeClr val="tx2"/>
                     </a:solidFill>
@@ -6429,13 +6110,15 @@
                   </a:ext>
                 </a:extLst>
               </p:cNvPr>
-              <p:cNvCxnSpPr/>
+              <p:cNvCxnSpPr>
+                <a:cxnSpLocks/>
+              </p:cNvCxnSpPr>
               <p:nvPr/>
             </p:nvCxnSpPr>
             <p:spPr>
               <a:xfrm>
-                <a:off x="5757329" y="1402758"/>
-                <a:ext cx="3193078" cy="11262"/>
+                <a:off x="5765609" y="1403429"/>
+                <a:ext cx="3301955" cy="0"/>
               </a:xfrm>
               <a:prstGeom prst="line">
                 <a:avLst/>
@@ -6650,13 +6333,15 @@
                   </a:ext>
                 </a:extLst>
               </p:cNvPr>
-              <p:cNvCxnSpPr/>
+              <p:cNvCxnSpPr>
+                <a:cxnSpLocks/>
+              </p:cNvCxnSpPr>
               <p:nvPr/>
             </p:nvCxnSpPr>
             <p:spPr>
-              <a:xfrm>
-                <a:off x="5749091" y="2012361"/>
-                <a:ext cx="3193078" cy="11262"/>
+              <a:xfrm flipV="1">
+                <a:off x="5765609" y="2306963"/>
+                <a:ext cx="3301955" cy="1"/>
               </a:xfrm>
               <a:prstGeom prst="line">
                 <a:avLst/>
@@ -6700,8 +6385,8 @@
           </p:nvSpPr>
           <p:spPr bwMode="auto">
             <a:xfrm>
-              <a:off x="6296416" y="1840639"/>
-              <a:ext cx="64330" cy="3702553"/>
+              <a:off x="6289818" y="1814002"/>
+              <a:ext cx="0" cy="4418316"/>
             </a:xfrm>
             <a:prstGeom prst="line">
               <a:avLst/>
@@ -6760,8 +6445,8 @@
           </p:nvSpPr>
           <p:spPr bwMode="auto">
             <a:xfrm>
-              <a:off x="5379279" y="1231023"/>
-              <a:ext cx="1938309" cy="745386"/>
+              <a:off x="5372302" y="1101062"/>
+              <a:ext cx="1945286" cy="662565"/>
             </a:xfrm>
             <a:prstGeom prst="rect">
               <a:avLst/>
@@ -6826,173 +6511,6 @@
         </p:sp>
         <p:sp>
           <p:nvSpPr>
-            <p:cNvPr id="32" name="Rectangle 31">
-              <a:extLst>
-                <a:ext uri="{FF2B5EF4-FFF2-40B4-BE49-F238E27FC236}">
-                  <a16:creationId xmlns:a16="http://schemas.microsoft.com/office/drawing/2014/main" id="{9A12096A-D0A6-4CD4-BD61-C3591623DE8C}"/>
-                </a:ext>
-              </a:extLst>
-            </p:cNvPr>
-            <p:cNvSpPr/>
-            <p:nvPr/>
-          </p:nvSpPr>
-          <p:spPr>
-            <a:xfrm>
-              <a:off x="6191474" y="2695524"/>
-              <a:ext cx="274415" cy="436245"/>
-            </a:xfrm>
-            <a:prstGeom prst="rect">
-              <a:avLst/>
-            </a:prstGeom>
-            <a:solidFill>
-              <a:schemeClr val="bg2">
-                <a:lumMod val="75000"/>
-              </a:schemeClr>
-            </a:solidFill>
-            <a:ln>
-              <a:solidFill>
-                <a:schemeClr val="bg2">
-                  <a:lumMod val="50000"/>
-                </a:schemeClr>
-              </a:solidFill>
-            </a:ln>
-          </p:spPr>
-          <p:style>
-            <a:lnRef idx="2">
-              <a:schemeClr val="accent4"/>
-            </a:lnRef>
-            <a:fillRef idx="1">
-              <a:schemeClr val="lt1"/>
-            </a:fillRef>
-            <a:effectRef idx="0">
-              <a:schemeClr val="accent4"/>
-            </a:effectRef>
-            <a:fontRef idx="minor">
-              <a:schemeClr val="dk1"/>
-            </a:fontRef>
-          </p:style>
-          <p:txBody>
-            <a:bodyPr rtlCol="0" anchor="ctr"/>
-            <a:lstStyle/>
-            <a:p>
-              <a:pPr algn="ctr" defTabSz="872733"/>
-              <a:endParaRPr lang="en-US" sz="1500">
-                <a:solidFill>
-                  <a:prstClr val="black"/>
-                </a:solidFill>
-              </a:endParaRPr>
-            </a:p>
-          </p:txBody>
-        </p:sp>
-        <p:grpSp>
-          <p:nvGrpSpPr>
-            <p:cNvPr id="37" name="Group 36">
-              <a:extLst>
-                <a:ext uri="{FF2B5EF4-FFF2-40B4-BE49-F238E27FC236}">
-                  <a16:creationId xmlns:a16="http://schemas.microsoft.com/office/drawing/2014/main" id="{D4A5DB6C-35AD-4C72-97DB-423262DB1DB1}"/>
-                </a:ext>
-              </a:extLst>
-            </p:cNvPr>
-            <p:cNvGrpSpPr/>
-            <p:nvPr/>
-          </p:nvGrpSpPr>
-          <p:grpSpPr>
-            <a:xfrm>
-              <a:off x="3035985" y="5841472"/>
-              <a:ext cx="271548" cy="289972"/>
-              <a:chOff x="5463902" y="5589295"/>
-              <a:chExt cx="271548" cy="289972"/>
-            </a:xfrm>
-          </p:grpSpPr>
-          <p:cxnSp>
-            <p:nvCxnSpPr>
-              <p:cNvPr id="34" name="Straight Connector 33">
-                <a:extLst>
-                  <a:ext uri="{FF2B5EF4-FFF2-40B4-BE49-F238E27FC236}">
-                    <a16:creationId xmlns:a16="http://schemas.microsoft.com/office/drawing/2014/main" id="{2E4C2048-56A3-48D9-8D92-E38D5B486A65}"/>
-                  </a:ext>
-                </a:extLst>
-              </p:cNvPr>
-              <p:cNvCxnSpPr/>
-              <p:nvPr/>
-            </p:nvCxnSpPr>
-            <p:spPr>
-              <a:xfrm rot="16200000" flipV="1">
-                <a:off x="5459408" y="5597682"/>
-                <a:ext cx="284430" cy="267655"/>
-              </a:xfrm>
-              <a:prstGeom prst="line">
-                <a:avLst/>
-              </a:prstGeom>
-              <a:ln w="19050">
-                <a:solidFill>
-                  <a:schemeClr val="accent3">
-                    <a:lumMod val="75000"/>
-                  </a:schemeClr>
-                </a:solidFill>
-              </a:ln>
-            </p:spPr>
-            <p:style>
-              <a:lnRef idx="1">
-                <a:schemeClr val="accent1"/>
-              </a:lnRef>
-              <a:fillRef idx="0">
-                <a:schemeClr val="accent1"/>
-              </a:fillRef>
-              <a:effectRef idx="0">
-                <a:schemeClr val="accent1"/>
-              </a:effectRef>
-              <a:fontRef idx="minor">
-                <a:schemeClr val="tx1"/>
-              </a:fontRef>
-            </p:style>
-          </p:cxnSp>
-          <p:cxnSp>
-            <p:nvCxnSpPr>
-              <p:cNvPr id="35" name="Straight Connector 34">
-                <a:extLst>
-                  <a:ext uri="{FF2B5EF4-FFF2-40B4-BE49-F238E27FC236}">
-                    <a16:creationId xmlns:a16="http://schemas.microsoft.com/office/drawing/2014/main" id="{C1D5667C-4263-4BF8-9723-69BE4A493435}"/>
-                  </a:ext>
-                </a:extLst>
-              </p:cNvPr>
-              <p:cNvCxnSpPr/>
-              <p:nvPr/>
-            </p:nvCxnSpPr>
-            <p:spPr>
-              <a:xfrm rot="5400000">
-                <a:off x="5452818" y="5602176"/>
-                <a:ext cx="288175" cy="266007"/>
-              </a:xfrm>
-              <a:prstGeom prst="line">
-                <a:avLst/>
-              </a:prstGeom>
-              <a:ln w="19050">
-                <a:solidFill>
-                  <a:schemeClr val="accent3">
-                    <a:lumMod val="75000"/>
-                  </a:schemeClr>
-                </a:solidFill>
-              </a:ln>
-            </p:spPr>
-            <p:style>
-              <a:lnRef idx="1">
-                <a:schemeClr val="accent1"/>
-              </a:lnRef>
-              <a:fillRef idx="0">
-                <a:schemeClr val="accent1"/>
-              </a:fillRef>
-              <a:effectRef idx="0">
-                <a:schemeClr val="accent1"/>
-              </a:effectRef>
-              <a:fontRef idx="minor">
-                <a:schemeClr val="tx1"/>
-              </a:fontRef>
-            </p:style>
-          </p:cxnSp>
-        </p:grpSp>
-        <p:sp>
-          <p:nvSpPr>
             <p:cNvPr id="36" name="Line 13">
               <a:extLst>
                 <a:ext uri="{FF2B5EF4-FFF2-40B4-BE49-F238E27FC236}">
@@ -7007,8 +6525,8 @@
           </p:nvSpPr>
           <p:spPr bwMode="auto">
             <a:xfrm flipH="1">
-              <a:off x="3155132" y="1712978"/>
-              <a:ext cx="1" cy="4230621"/>
+              <a:off x="3155000" y="1712977"/>
+              <a:ext cx="130" cy="4521880"/>
             </a:xfrm>
             <a:prstGeom prst="line">
               <a:avLst/>
@@ -7053,67 +6571,6 @@
         </p:sp>
         <p:sp>
           <p:nvSpPr>
-            <p:cNvPr id="30" name="Rectangle 29">
-              <a:extLst>
-                <a:ext uri="{FF2B5EF4-FFF2-40B4-BE49-F238E27FC236}">
-                  <a16:creationId xmlns:a16="http://schemas.microsoft.com/office/drawing/2014/main" id="{D35EB37C-CE1B-405D-9A2B-26D8A9DD695D}"/>
-                </a:ext>
-              </a:extLst>
-            </p:cNvPr>
-            <p:cNvSpPr/>
-            <p:nvPr/>
-          </p:nvSpPr>
-          <p:spPr>
-            <a:xfrm>
-              <a:off x="2987905" y="1957719"/>
-              <a:ext cx="321233" cy="3741138"/>
-            </a:xfrm>
-            <a:prstGeom prst="rect">
-              <a:avLst/>
-            </a:prstGeom>
-            <a:solidFill>
-              <a:schemeClr val="accent3">
-                <a:lumMod val="20000"/>
-                <a:lumOff val="80000"/>
-              </a:schemeClr>
-            </a:solidFill>
-            <a:ln>
-              <a:solidFill>
-                <a:schemeClr val="accent3">
-                  <a:lumMod val="75000"/>
-                </a:schemeClr>
-              </a:solidFill>
-            </a:ln>
-          </p:spPr>
-          <p:style>
-            <a:lnRef idx="2">
-              <a:schemeClr val="accent4"/>
-            </a:lnRef>
-            <a:fillRef idx="1">
-              <a:schemeClr val="lt1"/>
-            </a:fillRef>
-            <a:effectRef idx="0">
-              <a:schemeClr val="accent4"/>
-            </a:effectRef>
-            <a:fontRef idx="minor">
-              <a:schemeClr val="dk1"/>
-            </a:fontRef>
-          </p:style>
-          <p:txBody>
-            <a:bodyPr rtlCol="0" anchor="ctr"/>
-            <a:lstStyle/>
-            <a:p>
-              <a:pPr algn="ctr" defTabSz="872733"/>
-              <a:endParaRPr lang="en-US" sz="1500">
-                <a:solidFill>
-                  <a:prstClr val="black"/>
-                </a:solidFill>
-              </a:endParaRPr>
-            </a:p>
-          </p:txBody>
-        </p:sp>
-        <p:sp>
-          <p:nvSpPr>
             <p:cNvPr id="29" name="Text Box 11">
               <a:extLst>
                 <a:ext uri="{FF2B5EF4-FFF2-40B4-BE49-F238E27FC236}">
@@ -7128,8 +6585,8 @@
           </p:nvSpPr>
           <p:spPr bwMode="auto">
             <a:xfrm>
-              <a:off x="2393133" y="1184274"/>
-              <a:ext cx="1596653" cy="600164"/>
+              <a:off x="2393133" y="1101062"/>
+              <a:ext cx="1508558" cy="662565"/>
             </a:xfrm>
             <a:prstGeom prst="rect">
               <a:avLst/>
@@ -7204,8 +6661,8 @@
           </p:nvSpPr>
           <p:spPr bwMode="auto">
             <a:xfrm>
-              <a:off x="3550033" y="2246216"/>
-              <a:ext cx="2458083" cy="388999"/>
+              <a:off x="3557692" y="2003366"/>
+              <a:ext cx="2458083" cy="388997"/>
             </a:xfrm>
             <a:prstGeom prst="rect">
               <a:avLst/>
@@ -7388,8 +6845,8 @@
           </p:nvSpPr>
           <p:spPr bwMode="auto">
             <a:xfrm>
-              <a:off x="3294875" y="2744114"/>
-              <a:ext cx="2896599" cy="6326"/>
+              <a:off x="3182055" y="2746561"/>
+              <a:ext cx="3112048" cy="0"/>
             </a:xfrm>
             <a:prstGeom prst="line">
               <a:avLst/>
@@ -7433,8 +6890,8 @@
           </p:nvSpPr>
           <p:spPr bwMode="auto">
             <a:xfrm>
-              <a:off x="3826138" y="2747850"/>
-              <a:ext cx="2458083" cy="388999"/>
+              <a:off x="3874674" y="2282063"/>
+              <a:ext cx="1599489" cy="385067"/>
             </a:xfrm>
             <a:prstGeom prst="rect">
               <a:avLst/>
@@ -7590,7 +7047,7 @@
             <a:p>
               <a:pPr defTabSz="872733"/>
               <a:r>
-                <a:rPr lang="en-US" sz="1600" dirty="0">
+                <a:rPr lang="en-US" sz="1500" dirty="0">
                   <a:solidFill>
                     <a:schemeClr val="tx2"/>
                   </a:solidFill>
@@ -7598,66 +7055,6 @@
                 </a:rPr>
                 <a:t>setDescription()</a:t>
               </a:r>
-            </a:p>
-          </p:txBody>
-        </p:sp>
-        <p:sp>
-          <p:nvSpPr>
-            <p:cNvPr id="43" name="Rectangle 42">
-              <a:extLst>
-                <a:ext uri="{FF2B5EF4-FFF2-40B4-BE49-F238E27FC236}">
-                  <a16:creationId xmlns:a16="http://schemas.microsoft.com/office/drawing/2014/main" id="{ADF0A01E-6702-461B-B236-D72742200ACF}"/>
-                </a:ext>
-              </a:extLst>
-            </p:cNvPr>
-            <p:cNvSpPr/>
-            <p:nvPr/>
-          </p:nvSpPr>
-          <p:spPr>
-            <a:xfrm>
-              <a:off x="6191473" y="3693377"/>
-              <a:ext cx="274415" cy="497623"/>
-            </a:xfrm>
-            <a:prstGeom prst="rect">
-              <a:avLst/>
-            </a:prstGeom>
-            <a:solidFill>
-              <a:schemeClr val="bg2">
-                <a:lumMod val="75000"/>
-              </a:schemeClr>
-            </a:solidFill>
-            <a:ln>
-              <a:solidFill>
-                <a:schemeClr val="bg2">
-                  <a:lumMod val="50000"/>
-                </a:schemeClr>
-              </a:solidFill>
-            </a:ln>
-          </p:spPr>
-          <p:style>
-            <a:lnRef idx="2">
-              <a:schemeClr val="accent4"/>
-            </a:lnRef>
-            <a:fillRef idx="1">
-              <a:schemeClr val="lt1"/>
-            </a:fillRef>
-            <a:effectRef idx="0">
-              <a:schemeClr val="accent4"/>
-            </a:effectRef>
-            <a:fontRef idx="minor">
-              <a:schemeClr val="dk1"/>
-            </a:fontRef>
-          </p:style>
-          <p:txBody>
-            <a:bodyPr rtlCol="0" anchor="ctr"/>
-            <a:lstStyle/>
-            <a:p>
-              <a:pPr algn="ctr" defTabSz="872733"/>
-              <a:endParaRPr lang="en-US" sz="1500">
-                <a:solidFill>
-                  <a:prstClr val="black"/>
-                </a:solidFill>
-              </a:endParaRPr>
             </a:p>
           </p:txBody>
         </p:sp>
@@ -7675,8 +7072,8 @@
           </p:nvSpPr>
           <p:spPr bwMode="auto">
             <a:xfrm>
-              <a:off x="3826138" y="3321700"/>
-              <a:ext cx="1933181" cy="388999"/>
+              <a:off x="3943136" y="3337856"/>
+              <a:ext cx="1933181" cy="388998"/>
             </a:xfrm>
             <a:prstGeom prst="rect">
               <a:avLst/>
@@ -7857,8 +7254,8 @@
           </p:nvSpPr>
           <p:spPr bwMode="auto">
             <a:xfrm>
-              <a:off x="4145733" y="3820928"/>
-              <a:ext cx="1146949" cy="388999"/>
+              <a:off x="4286690" y="3605659"/>
+              <a:ext cx="1146948" cy="388997"/>
             </a:xfrm>
             <a:prstGeom prst="rect">
               <a:avLst/>
@@ -8014,7 +7411,7 @@
             <a:p>
               <a:pPr defTabSz="872733"/>
               <a:r>
-                <a:rPr lang="en-US" sz="1600" dirty="0" err="1">
+                <a:rPr lang="en-US" sz="1500" dirty="0" err="1">
                   <a:solidFill>
                     <a:schemeClr val="tx2"/>
                   </a:solidFill>
@@ -8023,7 +7420,7 @@
                 <a:t>setPrice</a:t>
               </a:r>
               <a:r>
-                <a:rPr lang="en-US" sz="1600" dirty="0">
+                <a:rPr lang="en-US" sz="1500" dirty="0">
                   <a:solidFill>
                     <a:schemeClr val="tx2"/>
                   </a:solidFill>
@@ -8031,113 +7428,6 @@
                 </a:rPr>
                 <a:t>()</a:t>
               </a:r>
-            </a:p>
-          </p:txBody>
-        </p:sp>
-        <p:sp>
-          <p:nvSpPr>
-            <p:cNvPr id="46" name="Line 15">
-              <a:extLst>
-                <a:ext uri="{FF2B5EF4-FFF2-40B4-BE49-F238E27FC236}">
-                  <a16:creationId xmlns:a16="http://schemas.microsoft.com/office/drawing/2014/main" id="{55E69142-BBD3-42FA-8DBA-A5033A4FC2EB}"/>
-                </a:ext>
-              </a:extLst>
-            </p:cNvPr>
-            <p:cNvSpPr>
-              <a:spLocks noChangeShapeType="1"/>
-            </p:cNvSpPr>
-            <p:nvPr/>
-          </p:nvSpPr>
-          <p:spPr bwMode="auto">
-            <a:xfrm>
-              <a:off x="3294875" y="3719414"/>
-              <a:ext cx="2879199" cy="14386"/>
-            </a:xfrm>
-            <a:prstGeom prst="line">
-              <a:avLst/>
-            </a:prstGeom>
-            <a:noFill/>
-            <a:ln w="19050">
-              <a:solidFill>
-                <a:schemeClr val="bg2">
-                  <a:lumMod val="50000"/>
-                </a:schemeClr>
-              </a:solidFill>
-              <a:round/>
-              <a:headEnd/>
-              <a:tailEnd type="triangle" w="lg" len="lg"/>
-            </a:ln>
-          </p:spPr>
-          <p:txBody>
-            <a:bodyPr/>
-            <a:lstStyle/>
-            <a:p>
-              <a:pPr defTabSz="872733"/>
-              <a:endParaRPr lang="en-US" sz="1500" dirty="0">
-                <a:solidFill>
-                  <a:prstClr val="black"/>
-                </a:solidFill>
-              </a:endParaRPr>
-            </a:p>
-          </p:txBody>
-        </p:sp>
-        <p:sp>
-          <p:nvSpPr>
-            <p:cNvPr id="47" name="Rectangle 46">
-              <a:extLst>
-                <a:ext uri="{FF2B5EF4-FFF2-40B4-BE49-F238E27FC236}">
-                  <a16:creationId xmlns:a16="http://schemas.microsoft.com/office/drawing/2014/main" id="{B7A35E22-9B0A-4C94-B44C-5CCE8ACA5C7A}"/>
-                </a:ext>
-              </a:extLst>
-            </p:cNvPr>
-            <p:cNvSpPr/>
-            <p:nvPr/>
-          </p:nvSpPr>
-          <p:spPr>
-            <a:xfrm>
-              <a:off x="6186134" y="4821555"/>
-              <a:ext cx="274415" cy="436245"/>
-            </a:xfrm>
-            <a:prstGeom prst="rect">
-              <a:avLst/>
-            </a:prstGeom>
-            <a:solidFill>
-              <a:schemeClr val="bg2">
-                <a:lumMod val="75000"/>
-              </a:schemeClr>
-            </a:solidFill>
-            <a:ln>
-              <a:solidFill>
-                <a:schemeClr val="bg2">
-                  <a:lumMod val="50000"/>
-                </a:schemeClr>
-              </a:solidFill>
-            </a:ln>
-          </p:spPr>
-          <p:style>
-            <a:lnRef idx="2">
-              <a:schemeClr val="accent4"/>
-            </a:lnRef>
-            <a:fillRef idx="1">
-              <a:schemeClr val="lt1"/>
-            </a:fillRef>
-            <a:effectRef idx="0">
-              <a:schemeClr val="accent4"/>
-            </a:effectRef>
-            <a:fontRef idx="minor">
-              <a:schemeClr val="dk1"/>
-            </a:fontRef>
-          </p:style>
-          <p:txBody>
-            <a:bodyPr rtlCol="0" anchor="ctr"/>
-            <a:lstStyle/>
-            <a:p>
-              <a:pPr algn="ctr" defTabSz="872733"/>
-              <a:endParaRPr lang="en-US" sz="1500">
-                <a:solidFill>
-                  <a:prstClr val="black"/>
-                </a:solidFill>
-              </a:endParaRPr>
             </a:p>
           </p:txBody>
         </p:sp>
@@ -8155,7 +7445,7 @@
           </p:nvSpPr>
           <p:spPr bwMode="auto">
             <a:xfrm>
-              <a:off x="3883315" y="4367204"/>
+              <a:off x="3817237" y="4933186"/>
               <a:ext cx="2206142" cy="388999"/>
             </a:xfrm>
             <a:prstGeom prst="rect">
@@ -8339,8 +7629,8 @@
           </p:nvSpPr>
           <p:spPr bwMode="auto">
             <a:xfrm flipV="1">
-              <a:off x="3309138" y="4807189"/>
-              <a:ext cx="2874744" cy="8780"/>
+              <a:off x="3158967" y="5654066"/>
+              <a:ext cx="3157356" cy="0"/>
             </a:xfrm>
             <a:prstGeom prst="line">
               <a:avLst/>
@@ -8384,7 +7674,7 @@
           </p:nvSpPr>
           <p:spPr bwMode="auto">
             <a:xfrm>
-              <a:off x="4415651" y="4795093"/>
+              <a:off x="4148827" y="5182097"/>
               <a:ext cx="1424469" cy="388999"/>
             </a:xfrm>
             <a:prstGeom prst="rect">
@@ -8562,6 +7852,197 @@
           </p:txBody>
         </p:sp>
       </p:grpSp>
+      <p:sp>
+        <p:nvSpPr>
+          <p:cNvPr id="38" name="Line 16">
+            <a:extLst>
+              <a:ext uri="{FF2B5EF4-FFF2-40B4-BE49-F238E27FC236}">
+                <a16:creationId xmlns:a16="http://schemas.microsoft.com/office/drawing/2014/main" id="{1EDB7596-258F-4B9C-A0B4-4C1006F7A75F}"/>
+              </a:ext>
+            </a:extLst>
+          </p:cNvPr>
+          <p:cNvSpPr>
+            <a:spLocks noChangeShapeType="1"/>
+          </p:cNvSpPr>
+          <p:nvPr/>
+        </p:nvSpPr>
+        <p:spPr bwMode="auto">
+          <a:xfrm flipH="1">
+            <a:off x="3346928" y="6010285"/>
+            <a:ext cx="2952759" cy="0"/>
+          </a:xfrm>
+          <a:prstGeom prst="line">
+            <a:avLst/>
+          </a:prstGeom>
+          <a:noFill/>
+          <a:ln w="19050">
+            <a:solidFill>
+              <a:schemeClr val="bg2">
+                <a:lumMod val="50000"/>
+              </a:schemeClr>
+            </a:solidFill>
+            <a:prstDash val="sysDash"/>
+            <a:round/>
+            <a:headEnd/>
+            <a:tailEnd type="triangle" w="lg" len="lg"/>
+          </a:ln>
+        </p:spPr>
+        <p:txBody>
+          <a:bodyPr/>
+          <a:lstStyle/>
+          <a:p>
+            <a:pPr defTabSz="872733"/>
+            <a:endParaRPr lang="en-US" sz="1500">
+              <a:solidFill>
+                <a:prstClr val="black"/>
+              </a:solidFill>
+            </a:endParaRPr>
+          </a:p>
+        </p:txBody>
+      </p:sp>
+      <p:sp>
+        <p:nvSpPr>
+          <p:cNvPr id="51" name="Line 16">
+            <a:extLst>
+              <a:ext uri="{FF2B5EF4-FFF2-40B4-BE49-F238E27FC236}">
+                <a16:creationId xmlns:a16="http://schemas.microsoft.com/office/drawing/2014/main" id="{ED79FA1C-A0A1-48AA-A95D-692F97FAEE5E}"/>
+              </a:ext>
+            </a:extLst>
+          </p:cNvPr>
+          <p:cNvSpPr>
+            <a:spLocks noChangeShapeType="1"/>
+          </p:cNvSpPr>
+          <p:nvPr/>
+        </p:nvSpPr>
+        <p:spPr bwMode="auto">
+          <a:xfrm flipH="1" flipV="1">
+            <a:off x="3346928" y="3429000"/>
+            <a:ext cx="2927711" cy="1597"/>
+          </a:xfrm>
+          <a:prstGeom prst="line">
+            <a:avLst/>
+          </a:prstGeom>
+          <a:noFill/>
+          <a:ln w="19050">
+            <a:solidFill>
+              <a:schemeClr val="bg2">
+                <a:lumMod val="50000"/>
+              </a:schemeClr>
+            </a:solidFill>
+            <a:prstDash val="sysDash"/>
+            <a:round/>
+            <a:headEnd/>
+            <a:tailEnd type="triangle" w="lg" len="lg"/>
+          </a:ln>
+        </p:spPr>
+        <p:txBody>
+          <a:bodyPr/>
+          <a:lstStyle/>
+          <a:p>
+            <a:pPr defTabSz="872733"/>
+            <a:endParaRPr lang="en-US" sz="1500">
+              <a:solidFill>
+                <a:prstClr val="black"/>
+              </a:solidFill>
+            </a:endParaRPr>
+          </a:p>
+        </p:txBody>
+      </p:sp>
+      <p:sp>
+        <p:nvSpPr>
+          <p:cNvPr id="52" name="Line 15">
+            <a:extLst>
+              <a:ext uri="{FF2B5EF4-FFF2-40B4-BE49-F238E27FC236}">
+                <a16:creationId xmlns:a16="http://schemas.microsoft.com/office/drawing/2014/main" id="{99ADAE9B-9421-4CB1-B94A-793B3A00B2E9}"/>
+              </a:ext>
+            </a:extLst>
+          </p:cNvPr>
+          <p:cNvSpPr>
+            <a:spLocks noChangeShapeType="1"/>
+          </p:cNvSpPr>
+          <p:nvPr/>
+        </p:nvSpPr>
+        <p:spPr bwMode="auto">
+          <a:xfrm>
+            <a:off x="3356875" y="4495800"/>
+            <a:ext cx="2962801" cy="2"/>
+          </a:xfrm>
+          <a:prstGeom prst="line">
+            <a:avLst/>
+          </a:prstGeom>
+          <a:noFill/>
+          <a:ln w="19050">
+            <a:solidFill>
+              <a:schemeClr val="bg2">
+                <a:lumMod val="50000"/>
+              </a:schemeClr>
+            </a:solidFill>
+            <a:round/>
+            <a:headEnd/>
+            <a:tailEnd type="triangle" w="lg" len="lg"/>
+          </a:ln>
+        </p:spPr>
+        <p:txBody>
+          <a:bodyPr/>
+          <a:lstStyle/>
+          <a:p>
+            <a:pPr defTabSz="872733"/>
+            <a:endParaRPr lang="en-US" sz="1500" dirty="0">
+              <a:solidFill>
+                <a:prstClr val="black"/>
+              </a:solidFill>
+            </a:endParaRPr>
+          </a:p>
+        </p:txBody>
+      </p:sp>
+      <p:sp>
+        <p:nvSpPr>
+          <p:cNvPr id="53" name="Line 16">
+            <a:extLst>
+              <a:ext uri="{FF2B5EF4-FFF2-40B4-BE49-F238E27FC236}">
+                <a16:creationId xmlns:a16="http://schemas.microsoft.com/office/drawing/2014/main" id="{62B6FD47-A579-46E7-B8D9-DE2DCAB7D27D}"/>
+              </a:ext>
+            </a:extLst>
+          </p:cNvPr>
+          <p:cNvSpPr>
+            <a:spLocks noChangeShapeType="1"/>
+          </p:cNvSpPr>
+          <p:nvPr/>
+        </p:nvSpPr>
+        <p:spPr bwMode="auto">
+          <a:xfrm flipH="1" flipV="1">
+            <a:off x="3346928" y="4800600"/>
+            <a:ext cx="2919242" cy="1597"/>
+          </a:xfrm>
+          <a:prstGeom prst="line">
+            <a:avLst/>
+          </a:prstGeom>
+          <a:noFill/>
+          <a:ln w="19050">
+            <a:solidFill>
+              <a:schemeClr val="bg2">
+                <a:lumMod val="50000"/>
+              </a:schemeClr>
+            </a:solidFill>
+            <a:prstDash val="sysDash"/>
+            <a:round/>
+            <a:headEnd/>
+            <a:tailEnd type="triangle" w="lg" len="lg"/>
+          </a:ln>
+        </p:spPr>
+        <p:txBody>
+          <a:bodyPr/>
+          <a:lstStyle/>
+          <a:p>
+            <a:pPr defTabSz="872733"/>
+            <a:endParaRPr lang="en-US" sz="1500">
+              <a:solidFill>
+                <a:prstClr val="black"/>
+              </a:solidFill>
+            </a:endParaRPr>
+          </a:p>
+        </p:txBody>
+      </p:sp>
     </p:spTree>
     <p:extLst>
       <p:ext uri="{BB962C8B-B14F-4D97-AF65-F5344CB8AC3E}">

--- a/docs/Edit.pptx
+++ b/docs/Edit.pptx
@@ -568,6 +568,90 @@
     <p:extLst>
       <p:ext uri="{BB962C8B-B14F-4D97-AF65-F5344CB8AC3E}">
         <p14:creationId xmlns:p14="http://schemas.microsoft.com/office/powerpoint/2010/main" val="3547180629"/>
+      </p:ext>
+    </p:extLst>
+  </p:cSld>
+  <p:clrMapOvr>
+    <a:masterClrMapping/>
+  </p:clrMapOvr>
+</p:notes>
+</file>
+
+<file path=ppt/notesSlides/notesSlide2.xml><?xml version="1.0" encoding="utf-8"?>
+<p:notes xmlns:a="http://schemas.openxmlformats.org/drawingml/2006/main" xmlns:r="http://schemas.openxmlformats.org/officeDocument/2006/relationships" xmlns:p="http://schemas.openxmlformats.org/presentationml/2006/main">
+  <p:cSld>
+    <p:spTree>
+      <p:nvGrpSpPr>
+        <p:cNvPr id="1" name=""/>
+        <p:cNvGrpSpPr/>
+        <p:nvPr/>
+      </p:nvGrpSpPr>
+      <p:grpSpPr>
+        <a:xfrm>
+          <a:off x="0" y="0"/>
+          <a:ext cx="0" cy="0"/>
+          <a:chOff x="0" y="0"/>
+          <a:chExt cx="0" cy="0"/>
+        </a:xfrm>
+      </p:grpSpPr>
+      <p:sp>
+        <p:nvSpPr>
+          <p:cNvPr id="2" name="Slide Image Placeholder 1"/>
+          <p:cNvSpPr>
+            <a:spLocks noGrp="1" noRot="1" noChangeAspect="1"/>
+          </p:cNvSpPr>
+          <p:nvPr>
+            <p:ph type="sldImg"/>
+          </p:nvPr>
+        </p:nvSpPr>
+        <p:spPr/>
+      </p:sp>
+      <p:sp>
+        <p:nvSpPr>
+          <p:cNvPr id="3" name="Notes Placeholder 2"/>
+          <p:cNvSpPr>
+            <a:spLocks noGrp="1"/>
+          </p:cNvSpPr>
+          <p:nvPr>
+            <p:ph type="body" idx="1"/>
+          </p:nvPr>
+        </p:nvSpPr>
+        <p:spPr/>
+        <p:txBody>
+          <a:bodyPr/>
+          <a:lstStyle/>
+          <a:p>
+            <a:endParaRPr lang="en-SG" dirty="0"/>
+          </a:p>
+        </p:txBody>
+      </p:sp>
+      <p:sp>
+        <p:nvSpPr>
+          <p:cNvPr id="4" name="Slide Number Placeholder 3"/>
+          <p:cNvSpPr>
+            <a:spLocks noGrp="1"/>
+          </p:cNvSpPr>
+          <p:nvPr>
+            <p:ph type="sldNum" sz="quarter" idx="5"/>
+          </p:nvPr>
+        </p:nvSpPr>
+        <p:spPr/>
+        <p:txBody>
+          <a:bodyPr/>
+          <a:lstStyle/>
+          <a:p>
+            <a:fld id="{495C3D03-1293-4B80-ACCA-295A1C3B6AA6}" type="slidenum">
+              <a:rPr lang="en-SG" smtClean="0"/>
+              <a:t>2</a:t>
+            </a:fld>
+            <a:endParaRPr lang="en-SG"/>
+          </a:p>
+        </p:txBody>
+      </p:sp>
+    </p:spTree>
+    <p:extLst>
+      <p:ext uri="{BB962C8B-B14F-4D97-AF65-F5344CB8AC3E}">
+        <p14:creationId xmlns:p14="http://schemas.microsoft.com/office/powerpoint/2010/main" val="3721538699"/>
       </p:ext>
     </p:extLst>
   </p:cSld>
@@ -5506,8 +5590,8 @@
         </p:nvGrpSpPr>
         <p:grpSpPr>
           <a:xfrm>
-            <a:off x="762000" y="914400"/>
-            <a:ext cx="8077200" cy="5562600"/>
+            <a:off x="762000" y="838200"/>
+            <a:ext cx="8077200" cy="5791200"/>
             <a:chOff x="398286" y="343957"/>
             <a:chExt cx="8593314" cy="6056843"/>
           </a:xfrm>
@@ -5680,10 +5764,10 @@
           </p:nvGrpSpPr>
           <p:grpSpPr>
             <a:xfrm>
-              <a:off x="560425" y="1917423"/>
-              <a:ext cx="8267221" cy="4130616"/>
-              <a:chOff x="5754461" y="620115"/>
-              <a:chExt cx="3313103" cy="2396928"/>
+              <a:off x="560425" y="1858167"/>
+              <a:ext cx="8282959" cy="4314895"/>
+              <a:chOff x="5754461" y="585730"/>
+              <a:chExt cx="3319410" cy="2503862"/>
             </a:xfrm>
           </p:grpSpPr>
           <p:sp>
@@ -5702,8 +5786,8 @@
             </p:nvSpPr>
             <p:spPr bwMode="auto">
               <a:xfrm>
-                <a:off x="5754461" y="620115"/>
-                <a:ext cx="3313103" cy="2396928"/>
+                <a:off x="5754461" y="585730"/>
+                <a:ext cx="3319410" cy="2503862"/>
               </a:xfrm>
               <a:prstGeom prst="rect">
                 <a:avLst/>
@@ -5875,7 +5959,7 @@
             </p:nvSpPr>
             <p:spPr>
               <a:xfrm flipV="1">
-                <a:off x="5757328" y="621840"/>
+                <a:off x="5757328" y="585731"/>
                 <a:ext cx="329515" cy="297539"/>
               </a:xfrm>
               <a:prstGeom prst="snip1Rect">
@@ -6340,7 +6424,7 @@
             </p:nvCxnSpPr>
             <p:spPr>
               <a:xfrm flipV="1">
-                <a:off x="5765609" y="2306963"/>
+                <a:off x="5765609" y="2250581"/>
                 <a:ext cx="3301955" cy="1"/>
               </a:xfrm>
               <a:prstGeom prst="line">
@@ -6384,9 +6468,9 @@
             <p:nvPr/>
           </p:nvSpPr>
           <p:spPr bwMode="auto">
-            <a:xfrm>
-              <a:off x="6289818" y="1814002"/>
-              <a:ext cx="0" cy="4418316"/>
+            <a:xfrm flipH="1">
+              <a:off x="6289371" y="1814001"/>
+              <a:ext cx="447" cy="4507103"/>
             </a:xfrm>
             <a:prstGeom prst="line">
               <a:avLst/>
@@ -6525,8 +6609,8 @@
           </p:nvSpPr>
           <p:spPr bwMode="auto">
             <a:xfrm flipH="1">
-              <a:off x="3155000" y="1712977"/>
-              <a:ext cx="130" cy="4521880"/>
+              <a:off x="3154683" y="1712976"/>
+              <a:ext cx="447" cy="4604785"/>
             </a:xfrm>
             <a:prstGeom prst="line">
               <a:avLst/>
@@ -7445,7 +7529,7 @@
           </p:nvSpPr>
           <p:spPr bwMode="auto">
             <a:xfrm>
-              <a:off x="3817237" y="4933186"/>
+              <a:off x="3817237" y="4806894"/>
               <a:ext cx="2206142" cy="388999"/>
             </a:xfrm>
             <a:prstGeom prst="rect">
@@ -7629,7 +7713,7 @@
           </p:nvSpPr>
           <p:spPr bwMode="auto">
             <a:xfrm flipV="1">
-              <a:off x="3158967" y="5654066"/>
+              <a:off x="3158967" y="5524152"/>
               <a:ext cx="3157356" cy="0"/>
             </a:xfrm>
             <a:prstGeom prst="line">
@@ -7674,7 +7758,7 @@
           </p:nvSpPr>
           <p:spPr bwMode="auto">
             <a:xfrm>
-              <a:off x="4148827" y="5182097"/>
+              <a:off x="4148827" y="5055458"/>
               <a:ext cx="1424469" cy="388999"/>
             </a:xfrm>
             <a:prstGeom prst="rect">
@@ -7868,7 +7952,7 @@
         </p:nvSpPr>
         <p:spPr bwMode="auto">
           <a:xfrm flipH="1">
-            <a:off x="3346928" y="6010285"/>
+            <a:off x="3346928" y="6096000"/>
             <a:ext cx="2952759" cy="0"/>
           </a:xfrm>
           <a:prstGeom prst="line">
